--- a/farmer-exchange-fig.pptx
+++ b/farmer-exchange-fig.pptx
@@ -104,6 +104,11 @@
       </a:defRPr>
     </a:lvl9pPr>
   </p:defaultTextStyle>
+  <p:extLst>
+    <p:ext uri="{EFAFB233-063F-42B5-8137-9DF3F51BA10A}">
+      <p15:sldGuideLst xmlns:p15="http://schemas.microsoft.com/office/powerpoint/2012/main"/>
+    </p:ext>
+  </p:extLst>
 </p:presentation>
 </file>
 
@@ -238,7 +243,7 @@
           <a:p>
             <a:fld id="{0732DD73-D1D4-4E9F-8E19-15BB36F317BB}" type="datetimeFigureOut">
               <a:rPr lang="da-DK" smtClean="0"/>
-              <a:t>01-04-2024</a:t>
+              <a:t>14-04-2024</a:t>
             </a:fld>
             <a:endParaRPr lang="da-DK"/>
           </a:p>
@@ -408,7 +413,7 @@
           <a:p>
             <a:fld id="{0732DD73-D1D4-4E9F-8E19-15BB36F317BB}" type="datetimeFigureOut">
               <a:rPr lang="da-DK" smtClean="0"/>
-              <a:t>01-04-2024</a:t>
+              <a:t>14-04-2024</a:t>
             </a:fld>
             <a:endParaRPr lang="da-DK"/>
           </a:p>
@@ -588,7 +593,7 @@
           <a:p>
             <a:fld id="{0732DD73-D1D4-4E9F-8E19-15BB36F317BB}" type="datetimeFigureOut">
               <a:rPr lang="da-DK" smtClean="0"/>
-              <a:t>01-04-2024</a:t>
+              <a:t>14-04-2024</a:t>
             </a:fld>
             <a:endParaRPr lang="da-DK"/>
           </a:p>
@@ -758,7 +763,7 @@
           <a:p>
             <a:fld id="{0732DD73-D1D4-4E9F-8E19-15BB36F317BB}" type="datetimeFigureOut">
               <a:rPr lang="da-DK" smtClean="0"/>
-              <a:t>01-04-2024</a:t>
+              <a:t>14-04-2024</a:t>
             </a:fld>
             <a:endParaRPr lang="da-DK"/>
           </a:p>
@@ -1004,7 +1009,7 @@
           <a:p>
             <a:fld id="{0732DD73-D1D4-4E9F-8E19-15BB36F317BB}" type="datetimeFigureOut">
               <a:rPr lang="da-DK" smtClean="0"/>
-              <a:t>01-04-2024</a:t>
+              <a:t>14-04-2024</a:t>
             </a:fld>
             <a:endParaRPr lang="da-DK"/>
           </a:p>
@@ -1236,7 +1241,7 @@
           <a:p>
             <a:fld id="{0732DD73-D1D4-4E9F-8E19-15BB36F317BB}" type="datetimeFigureOut">
               <a:rPr lang="da-DK" smtClean="0"/>
-              <a:t>01-04-2024</a:t>
+              <a:t>14-04-2024</a:t>
             </a:fld>
             <a:endParaRPr lang="da-DK"/>
           </a:p>
@@ -1603,7 +1608,7 @@
           <a:p>
             <a:fld id="{0732DD73-D1D4-4E9F-8E19-15BB36F317BB}" type="datetimeFigureOut">
               <a:rPr lang="da-DK" smtClean="0"/>
-              <a:t>01-04-2024</a:t>
+              <a:t>14-04-2024</a:t>
             </a:fld>
             <a:endParaRPr lang="da-DK"/>
           </a:p>
@@ -1721,7 +1726,7 @@
           <a:p>
             <a:fld id="{0732DD73-D1D4-4E9F-8E19-15BB36F317BB}" type="datetimeFigureOut">
               <a:rPr lang="da-DK" smtClean="0"/>
-              <a:t>01-04-2024</a:t>
+              <a:t>14-04-2024</a:t>
             </a:fld>
             <a:endParaRPr lang="da-DK"/>
           </a:p>
@@ -1816,7 +1821,7 @@
           <a:p>
             <a:fld id="{0732DD73-D1D4-4E9F-8E19-15BB36F317BB}" type="datetimeFigureOut">
               <a:rPr lang="da-DK" smtClean="0"/>
-              <a:t>01-04-2024</a:t>
+              <a:t>14-04-2024</a:t>
             </a:fld>
             <a:endParaRPr lang="da-DK"/>
           </a:p>
@@ -2093,7 +2098,7 @@
           <a:p>
             <a:fld id="{0732DD73-D1D4-4E9F-8E19-15BB36F317BB}" type="datetimeFigureOut">
               <a:rPr lang="da-DK" smtClean="0"/>
-              <a:t>01-04-2024</a:t>
+              <a:t>14-04-2024</a:t>
             </a:fld>
             <a:endParaRPr lang="da-DK"/>
           </a:p>
@@ -2350,7 +2355,7 @@
           <a:p>
             <a:fld id="{0732DD73-D1D4-4E9F-8E19-15BB36F317BB}" type="datetimeFigureOut">
               <a:rPr lang="da-DK" smtClean="0"/>
-              <a:t>01-04-2024</a:t>
+              <a:t>14-04-2024</a:t>
             </a:fld>
             <a:endParaRPr lang="da-DK"/>
           </a:p>
@@ -2563,7 +2568,7 @@
           <a:p>
             <a:fld id="{0732DD73-D1D4-4E9F-8E19-15BB36F317BB}" type="datetimeFigureOut">
               <a:rPr lang="da-DK" smtClean="0"/>
-              <a:t>01-04-2024</a:t>
+              <a:t>14-04-2024</a:t>
             </a:fld>
             <a:endParaRPr lang="da-DK"/>
           </a:p>
@@ -2968,547 +2973,12 @@
           <a:chExt cx="0" cy="0"/>
         </a:xfrm>
       </p:grpSpPr>
-      <p:pic>
-        <p:nvPicPr>
-          <p:cNvPr id="1026" name="Picture 2" descr="Old Barn And Field Stock Illustration - Download Image Now - Farm,  Agricultural Field, Illustration - iStock">
+      <p:grpSp>
+        <p:nvGrpSpPr>
+          <p:cNvPr id="8" name="Group 7">
             <a:extLst>
               <a:ext uri="{FF2B5EF4-FFF2-40B4-BE49-F238E27FC236}">
-                <a16:creationId xmlns:a16="http://schemas.microsoft.com/office/drawing/2014/main" id="{3A468A0F-568C-235A-2488-688F17825C17}"/>
-              </a:ext>
-            </a:extLst>
-          </p:cNvPr>
-          <p:cNvPicPr>
-            <a:picLocks noChangeAspect="1" noChangeArrowheads="1"/>
-          </p:cNvPicPr>
-          <p:nvPr/>
-        </p:nvPicPr>
-        <p:blipFill>
-          <a:blip r:embed="rId2">
-            <a:duotone>
-              <a:schemeClr val="bg2">
-                <a:shade val="45000"/>
-                <a:satMod val="135000"/>
-              </a:schemeClr>
-              <a:prstClr val="white"/>
-            </a:duotone>
-            <a:extLst>
-              <a:ext uri="{28A0092B-C50C-407E-A947-70E740481C1C}">
-                <a14:useLocalDpi xmlns:a14="http://schemas.microsoft.com/office/drawing/2010/main" val="0"/>
-              </a:ext>
-            </a:extLst>
-          </a:blip>
-          <a:srcRect/>
-          <a:stretch>
-            <a:fillRect/>
-          </a:stretch>
-        </p:blipFill>
-        <p:spPr bwMode="auto">
-          <a:xfrm>
-            <a:off x="331705" y="2291894"/>
-            <a:ext cx="2459237" cy="1739950"/>
-          </a:xfrm>
-          <a:prstGeom prst="rect">
-            <a:avLst/>
-          </a:prstGeom>
-          <a:noFill/>
-          <a:extLst>
-            <a:ext uri="{909E8E84-426E-40DD-AFC4-6F175D3DCCD1}">
-              <a14:hiddenFill xmlns:a14="http://schemas.microsoft.com/office/drawing/2010/main">
-                <a:solidFill>
-                  <a:srgbClr val="FFFFFF"/>
-                </a:solidFill>
-              </a14:hiddenFill>
-            </a:ext>
-          </a:extLst>
-        </p:spPr>
-      </p:pic>
-      <p:sp>
-        <p:nvSpPr>
-          <p:cNvPr id="4" name="AutoShape 4" descr="Sketch of a university campus on Craiyon">
-            <a:extLst>
-              <a:ext uri="{FF2B5EF4-FFF2-40B4-BE49-F238E27FC236}">
-                <a16:creationId xmlns:a16="http://schemas.microsoft.com/office/drawing/2014/main" id="{128C6E1A-0A17-4E69-BF7D-15B6D334DE20}"/>
-              </a:ext>
-            </a:extLst>
-          </p:cNvPr>
-          <p:cNvSpPr>
-            <a:spLocks noChangeAspect="1" noChangeArrowheads="1"/>
-          </p:cNvSpPr>
-          <p:nvPr/>
-        </p:nvSpPr>
-        <p:spPr bwMode="auto">
-          <a:xfrm>
-            <a:off x="3404108" y="3180532"/>
-            <a:ext cx="207093" cy="207093"/>
-          </a:xfrm>
-          <a:prstGeom prst="rect">
-            <a:avLst/>
-          </a:prstGeom>
-          <a:noFill/>
-          <a:extLst>
-            <a:ext uri="{909E8E84-426E-40DD-AFC4-6F175D3DCCD1}">
-              <a14:hiddenFill xmlns:a14="http://schemas.microsoft.com/office/drawing/2010/main">
-                <a:solidFill>
-                  <a:srgbClr val="FFFFFF"/>
-                </a:solidFill>
-              </a14:hiddenFill>
-            </a:ext>
-          </a:extLst>
-        </p:spPr>
-        <p:txBody>
-          <a:bodyPr vert="horz" wrap="square" lIns="38576" tIns="19289" rIns="38576" bIns="19289" numCol="1" anchor="t" anchorCtr="0" compatLnSpc="1">
-            <a:prstTxWarp prst="textNoShape">
-              <a:avLst/>
-            </a:prstTxWarp>
-          </a:bodyPr>
-          <a:lstStyle/>
-          <a:p>
-            <a:endParaRPr lang="da-DK" sz="760"/>
-          </a:p>
-        </p:txBody>
-      </p:sp>
-      <p:pic>
-        <p:nvPicPr>
-          <p:cNvPr id="7" name="Picture 6">
-            <a:extLst>
-              <a:ext uri="{FF2B5EF4-FFF2-40B4-BE49-F238E27FC236}">
-                <a16:creationId xmlns:a16="http://schemas.microsoft.com/office/drawing/2014/main" id="{79BF3BDE-3DE6-E0D0-70C7-DC90CE04F147}"/>
-              </a:ext>
-            </a:extLst>
-          </p:cNvPr>
-          <p:cNvPicPr>
-            <a:picLocks noChangeAspect="1"/>
-          </p:cNvPicPr>
-          <p:nvPr/>
-        </p:nvPicPr>
-        <p:blipFill>
-          <a:blip r:embed="rId3">
-            <a:duotone>
-              <a:schemeClr val="bg2">
-                <a:shade val="45000"/>
-                <a:satMod val="135000"/>
-              </a:schemeClr>
-              <a:prstClr val="white"/>
-            </a:duotone>
-          </a:blip>
-          <a:stretch>
-            <a:fillRect/>
-          </a:stretch>
-        </p:blipFill>
-        <p:spPr>
-          <a:xfrm>
-            <a:off x="4021397" y="2291894"/>
-            <a:ext cx="2366225" cy="1796675"/>
-          </a:xfrm>
-          <a:prstGeom prst="rect">
-            <a:avLst/>
-          </a:prstGeom>
-        </p:spPr>
-      </p:pic>
-      <p:pic>
-        <p:nvPicPr>
-          <p:cNvPr id="23" name="Picture 2" descr="Old Barn And Field Stock Illustration - Download Image Now - Farm,  Agricultural Field, Illustration - iStock">
-            <a:extLst>
-              <a:ext uri="{FF2B5EF4-FFF2-40B4-BE49-F238E27FC236}">
-                <a16:creationId xmlns:a16="http://schemas.microsoft.com/office/drawing/2014/main" id="{4A95F63A-0E48-4353-C3EC-8DF2076C3A5D}"/>
-              </a:ext>
-            </a:extLst>
-          </p:cNvPr>
-          <p:cNvPicPr>
-            <a:picLocks noChangeAspect="1" noChangeArrowheads="1"/>
-          </p:cNvPicPr>
-          <p:nvPr/>
-        </p:nvPicPr>
-        <p:blipFill>
-          <a:blip r:embed="rId2">
-            <a:duotone>
-              <a:schemeClr val="accent2">
-                <a:shade val="45000"/>
-                <a:satMod val="135000"/>
-              </a:schemeClr>
-              <a:prstClr val="white"/>
-            </a:duotone>
-            <a:extLst>
-              <a:ext uri="{28A0092B-C50C-407E-A947-70E740481C1C}">
-                <a14:useLocalDpi xmlns:a14="http://schemas.microsoft.com/office/drawing/2010/main" val="0"/>
-              </a:ext>
-            </a:extLst>
-          </a:blip>
-          <a:srcRect/>
-          <a:stretch>
-            <a:fillRect/>
-          </a:stretch>
-        </p:blipFill>
-        <p:spPr bwMode="auto">
-          <a:xfrm>
-            <a:off x="221578" y="4549846"/>
-            <a:ext cx="2459237" cy="1739950"/>
-          </a:xfrm>
-          <a:prstGeom prst="rect">
-            <a:avLst/>
-          </a:prstGeom>
-          <a:noFill/>
-          <a:extLst>
-            <a:ext uri="{909E8E84-426E-40DD-AFC4-6F175D3DCCD1}">
-              <a14:hiddenFill xmlns:a14="http://schemas.microsoft.com/office/drawing/2010/main">
-                <a:solidFill>
-                  <a:srgbClr val="FFFFFF"/>
-                </a:solidFill>
-              </a14:hiddenFill>
-            </a:ext>
-          </a:extLst>
-        </p:spPr>
-      </p:pic>
-      <p:pic>
-        <p:nvPicPr>
-          <p:cNvPr id="25" name="Picture 24">
-            <a:extLst>
-              <a:ext uri="{FF2B5EF4-FFF2-40B4-BE49-F238E27FC236}">
-                <a16:creationId xmlns:a16="http://schemas.microsoft.com/office/drawing/2014/main" id="{C0549345-0DA6-27D3-F677-27ABFB4F01CB}"/>
-              </a:ext>
-            </a:extLst>
-          </p:cNvPr>
-          <p:cNvPicPr>
-            <a:picLocks noChangeAspect="1"/>
-          </p:cNvPicPr>
-          <p:nvPr/>
-        </p:nvPicPr>
-        <p:blipFill>
-          <a:blip r:embed="rId3">
-            <a:duotone>
-              <a:schemeClr val="accent5">
-                <a:shade val="45000"/>
-                <a:satMod val="135000"/>
-              </a:schemeClr>
-              <a:prstClr val="white"/>
-            </a:duotone>
-          </a:blip>
-          <a:stretch>
-            <a:fillRect/>
-          </a:stretch>
-        </p:blipFill>
-        <p:spPr>
-          <a:xfrm>
-            <a:off x="4055678" y="4511506"/>
-            <a:ext cx="2366225" cy="1796675"/>
-          </a:xfrm>
-          <a:prstGeom prst="rect">
-            <a:avLst/>
-          </a:prstGeom>
-        </p:spPr>
-      </p:pic>
-      <p:sp>
-        <p:nvSpPr>
-          <p:cNvPr id="48" name="Arrow: Right 47">
-            <a:extLst>
-              <a:ext uri="{FF2B5EF4-FFF2-40B4-BE49-F238E27FC236}">
-                <a16:creationId xmlns:a16="http://schemas.microsoft.com/office/drawing/2014/main" id="{ACC716CE-9B72-8B7D-82B6-23014634E0C8}"/>
-              </a:ext>
-            </a:extLst>
-          </p:cNvPr>
-          <p:cNvSpPr/>
-          <p:nvPr/>
-        </p:nvSpPr>
-        <p:spPr>
-          <a:xfrm>
-            <a:off x="2394688" y="2757595"/>
-            <a:ext cx="2214177" cy="503278"/>
-          </a:xfrm>
-          <a:prstGeom prst="rightArrow">
-            <a:avLst/>
-          </a:prstGeom>
-          <a:solidFill>
-            <a:schemeClr val="bg2"/>
-          </a:solidFill>
-        </p:spPr>
-        <p:style>
-          <a:lnRef idx="2">
-            <a:schemeClr val="accent1">
-              <a:shade val="15000"/>
-            </a:schemeClr>
-          </a:lnRef>
-          <a:fillRef idx="1">
-            <a:schemeClr val="accent1"/>
-          </a:fillRef>
-          <a:effectRef idx="0">
-            <a:schemeClr val="accent1"/>
-          </a:effectRef>
-          <a:fontRef idx="minor">
-            <a:schemeClr val="lt1"/>
-          </a:fontRef>
-        </p:style>
-        <p:txBody>
-          <a:bodyPr rtlCol="0" anchor="ctr"/>
-          <a:lstStyle/>
-          <a:p>
-            <a:pPr algn="ctr"/>
-            <a:r>
-              <a:rPr lang="en-US" sz="1100" dirty="0">
-                <a:solidFill>
-                  <a:schemeClr val="tx1"/>
-                </a:solidFill>
-              </a:rPr>
-              <a:t>Time, resources, land</a:t>
-            </a:r>
-            <a:endParaRPr lang="da-DK" sz="1100" dirty="0">
-              <a:solidFill>
-                <a:schemeClr val="tx1"/>
-              </a:solidFill>
-            </a:endParaRPr>
-          </a:p>
-        </p:txBody>
-      </p:sp>
-      <p:sp>
-        <p:nvSpPr>
-          <p:cNvPr id="50" name="Arrow: Left 49">
-            <a:extLst>
-              <a:ext uri="{FF2B5EF4-FFF2-40B4-BE49-F238E27FC236}">
-                <a16:creationId xmlns:a16="http://schemas.microsoft.com/office/drawing/2014/main" id="{1B996779-B7CD-C91F-F4BE-A2D04DF89F63}"/>
-              </a:ext>
-            </a:extLst>
-          </p:cNvPr>
-          <p:cNvSpPr/>
-          <p:nvPr/>
-        </p:nvSpPr>
-        <p:spPr>
-          <a:xfrm>
-            <a:off x="2118360" y="3010910"/>
-            <a:ext cx="2072548" cy="426378"/>
-          </a:xfrm>
-          <a:prstGeom prst="leftArrow">
-            <a:avLst/>
-          </a:prstGeom>
-          <a:solidFill>
-            <a:schemeClr val="tx1"/>
-          </a:solidFill>
-        </p:spPr>
-        <p:style>
-          <a:lnRef idx="2">
-            <a:schemeClr val="accent1">
-              <a:shade val="15000"/>
-            </a:schemeClr>
-          </a:lnRef>
-          <a:fillRef idx="1">
-            <a:schemeClr val="accent1"/>
-          </a:fillRef>
-          <a:effectRef idx="0">
-            <a:schemeClr val="accent1"/>
-          </a:effectRef>
-          <a:fontRef idx="minor">
-            <a:schemeClr val="lt1"/>
-          </a:fontRef>
-        </p:style>
-        <p:txBody>
-          <a:bodyPr rtlCol="0" anchor="ctr"/>
-          <a:lstStyle/>
-          <a:p>
-            <a:pPr algn="ctr"/>
-            <a:r>
-              <a:rPr lang="en-US" sz="1100" dirty="0"/>
-              <a:t>Time, resources, ‘knowledge’</a:t>
-            </a:r>
-            <a:endParaRPr lang="da-DK" sz="1100" dirty="0"/>
-          </a:p>
-        </p:txBody>
-      </p:sp>
-      <p:sp>
-        <p:nvSpPr>
-          <p:cNvPr id="52" name="Arrow: Left 51">
-            <a:extLst>
-              <a:ext uri="{FF2B5EF4-FFF2-40B4-BE49-F238E27FC236}">
-                <a16:creationId xmlns:a16="http://schemas.microsoft.com/office/drawing/2014/main" id="{6F151098-9E45-A709-8698-B22B16217AC3}"/>
-              </a:ext>
-            </a:extLst>
-          </p:cNvPr>
-          <p:cNvSpPr/>
-          <p:nvPr/>
-        </p:nvSpPr>
-        <p:spPr>
-          <a:xfrm>
-            <a:off x="2302956" y="4919666"/>
-            <a:ext cx="1904049" cy="462423"/>
-          </a:xfrm>
-          <a:prstGeom prst="leftArrow">
-            <a:avLst/>
-          </a:prstGeom>
-          <a:solidFill>
-            <a:schemeClr val="accent5">
-              <a:lumMod val="40000"/>
-              <a:lumOff val="60000"/>
-            </a:schemeClr>
-          </a:solidFill>
-        </p:spPr>
-        <p:style>
-          <a:lnRef idx="2">
-            <a:schemeClr val="accent1">
-              <a:shade val="15000"/>
-            </a:schemeClr>
-          </a:lnRef>
-          <a:fillRef idx="1">
-            <a:schemeClr val="accent1"/>
-          </a:fillRef>
-          <a:effectRef idx="0">
-            <a:schemeClr val="accent1"/>
-          </a:effectRef>
-          <a:fontRef idx="minor">
-            <a:schemeClr val="lt1"/>
-          </a:fontRef>
-        </p:style>
-        <p:txBody>
-          <a:bodyPr rtlCol="0" anchor="ctr"/>
-          <a:lstStyle/>
-          <a:p>
-            <a:pPr algn="ctr"/>
-            <a:r>
-              <a:rPr lang="en-US" sz="1100" dirty="0">
-                <a:solidFill>
-                  <a:schemeClr val="tx1"/>
-                </a:solidFill>
-              </a:rPr>
-              <a:t>Time, resources, money</a:t>
-            </a:r>
-            <a:endParaRPr lang="da-DK" sz="1100" dirty="0">
-              <a:solidFill>
-                <a:schemeClr val="tx1"/>
-              </a:solidFill>
-            </a:endParaRPr>
-          </a:p>
-        </p:txBody>
-      </p:sp>
-      <p:sp>
-        <p:nvSpPr>
-          <p:cNvPr id="53" name="Arrow: Right 52">
-            <a:extLst>
-              <a:ext uri="{FF2B5EF4-FFF2-40B4-BE49-F238E27FC236}">
-                <a16:creationId xmlns:a16="http://schemas.microsoft.com/office/drawing/2014/main" id="{2F6EDF4F-5C02-99B8-0F6C-66DA3787664C}"/>
-              </a:ext>
-            </a:extLst>
-          </p:cNvPr>
-          <p:cNvSpPr/>
-          <p:nvPr/>
-        </p:nvSpPr>
-        <p:spPr>
-          <a:xfrm>
-            <a:off x="2632934" y="5317766"/>
-            <a:ext cx="1730955" cy="251040"/>
-          </a:xfrm>
-          <a:prstGeom prst="rightArrow">
-            <a:avLst/>
-          </a:prstGeom>
-          <a:solidFill>
-            <a:schemeClr val="accent2">
-              <a:lumMod val="60000"/>
-              <a:lumOff val="40000"/>
-            </a:schemeClr>
-          </a:solidFill>
-        </p:spPr>
-        <p:style>
-          <a:lnRef idx="2">
-            <a:schemeClr val="accent1">
-              <a:shade val="15000"/>
-            </a:schemeClr>
-          </a:lnRef>
-          <a:fillRef idx="1">
-            <a:schemeClr val="accent1"/>
-          </a:fillRef>
-          <a:effectRef idx="0">
-            <a:schemeClr val="accent1"/>
-          </a:effectRef>
-          <a:fontRef idx="minor">
-            <a:schemeClr val="lt1"/>
-          </a:fontRef>
-        </p:style>
-        <p:txBody>
-          <a:bodyPr rtlCol="0" anchor="ctr"/>
-          <a:lstStyle/>
-          <a:p>
-            <a:pPr algn="ctr"/>
-            <a:r>
-              <a:rPr lang="en-US" sz="1100" dirty="0">
-                <a:solidFill>
-                  <a:schemeClr val="tx1"/>
-                </a:solidFill>
-              </a:rPr>
-              <a:t>Trust</a:t>
-            </a:r>
-            <a:endParaRPr lang="da-DK" sz="1100" dirty="0">
-              <a:solidFill>
-                <a:schemeClr val="tx1"/>
-              </a:solidFill>
-            </a:endParaRPr>
-          </a:p>
-        </p:txBody>
-      </p:sp>
-      <p:sp>
-        <p:nvSpPr>
-          <p:cNvPr id="54" name="Arrow: Left 53">
-            <a:extLst>
-              <a:ext uri="{FF2B5EF4-FFF2-40B4-BE49-F238E27FC236}">
-                <a16:creationId xmlns:a16="http://schemas.microsoft.com/office/drawing/2014/main" id="{B3604570-09BD-2B60-B0E2-2E9CC8CEF90C}"/>
-              </a:ext>
-            </a:extLst>
-          </p:cNvPr>
-          <p:cNvSpPr/>
-          <p:nvPr/>
-        </p:nvSpPr>
-        <p:spPr>
-          <a:xfrm>
-            <a:off x="2475581" y="5424400"/>
-            <a:ext cx="1730954" cy="228226"/>
-          </a:xfrm>
-          <a:prstGeom prst="leftArrow">
-            <a:avLst/>
-          </a:prstGeom>
-          <a:solidFill>
-            <a:schemeClr val="accent5">
-              <a:lumMod val="40000"/>
-              <a:lumOff val="60000"/>
-            </a:schemeClr>
-          </a:solidFill>
-        </p:spPr>
-        <p:style>
-          <a:lnRef idx="2">
-            <a:schemeClr val="accent1">
-              <a:shade val="15000"/>
-            </a:schemeClr>
-          </a:lnRef>
-          <a:fillRef idx="1">
-            <a:schemeClr val="accent1"/>
-          </a:fillRef>
-          <a:effectRef idx="0">
-            <a:schemeClr val="accent1"/>
-          </a:effectRef>
-          <a:fontRef idx="minor">
-            <a:schemeClr val="lt1"/>
-          </a:fontRef>
-        </p:style>
-        <p:txBody>
-          <a:bodyPr rtlCol="0" anchor="ctr"/>
-          <a:lstStyle/>
-          <a:p>
-            <a:pPr algn="ctr"/>
-            <a:r>
-              <a:rPr lang="en-US" sz="1100" dirty="0">
-                <a:solidFill>
-                  <a:schemeClr val="tx1"/>
-                </a:solidFill>
-              </a:rPr>
-              <a:t>Trust</a:t>
-            </a:r>
-            <a:endParaRPr lang="da-DK" sz="1100" dirty="0">
-              <a:solidFill>
-                <a:schemeClr val="tx1"/>
-              </a:solidFill>
-            </a:endParaRPr>
-          </a:p>
-        </p:txBody>
-      </p:sp>
-      <p:grpSp>
-        <p:nvGrpSpPr>
-          <p:cNvPr id="57" name="Group 56">
-            <a:extLst>
-              <a:ext uri="{FF2B5EF4-FFF2-40B4-BE49-F238E27FC236}">
-                <a16:creationId xmlns:a16="http://schemas.microsoft.com/office/drawing/2014/main" id="{5F66D153-6B3A-6073-C600-05FD48B8F8C3}"/>
+                <a16:creationId xmlns:a16="http://schemas.microsoft.com/office/drawing/2014/main" id="{58F1F59C-C273-D2A1-94E2-CAADE91CF149}"/>
               </a:ext>
             </a:extLst>
           </p:cNvPr>
@@ -3517,24 +2987,247 @@
         </p:nvGrpSpPr>
         <p:grpSpPr>
           <a:xfrm>
-            <a:off x="2459954" y="5714665"/>
-            <a:ext cx="1888308" cy="334860"/>
-            <a:chOff x="2406169" y="5927342"/>
-            <a:chExt cx="1888308" cy="334860"/>
+            <a:off x="599947" y="2130540"/>
+            <a:ext cx="5339177" cy="4047460"/>
+            <a:chOff x="599947" y="2130540"/>
+            <a:chExt cx="5339177" cy="4047460"/>
           </a:xfrm>
-          <a:solidFill>
-            <a:schemeClr val="accent2">
-              <a:lumMod val="60000"/>
-              <a:lumOff val="40000"/>
-            </a:schemeClr>
-          </a:solidFill>
         </p:grpSpPr>
+        <p:pic>
+          <p:nvPicPr>
+            <p:cNvPr id="1026" name="Picture 2" descr="Old Barn And Field Stock Illustration - Download Image Now - Farm,  Agricultural Field, Illustration - iStock">
+              <a:extLst>
+                <a:ext uri="{FF2B5EF4-FFF2-40B4-BE49-F238E27FC236}">
+                  <a16:creationId xmlns:a16="http://schemas.microsoft.com/office/drawing/2014/main" id="{3A468A0F-568C-235A-2488-688F17825C17}"/>
+                </a:ext>
+              </a:extLst>
+            </p:cNvPr>
+            <p:cNvPicPr>
+              <a:picLocks noChangeAspect="1" noChangeArrowheads="1"/>
+            </p:cNvPicPr>
+            <p:nvPr/>
+          </p:nvPicPr>
+          <p:blipFill>
+            <a:blip r:embed="rId2">
+              <a:duotone>
+                <a:schemeClr val="bg2">
+                  <a:shade val="45000"/>
+                  <a:satMod val="135000"/>
+                </a:schemeClr>
+                <a:prstClr val="white"/>
+              </a:duotone>
+              <a:extLst>
+                <a:ext uri="{28A0092B-C50C-407E-A947-70E740481C1C}">
+                  <a14:useLocalDpi xmlns:a14="http://schemas.microsoft.com/office/drawing/2010/main" val="0"/>
+                </a:ext>
+              </a:extLst>
+            </a:blip>
+            <a:srcRect/>
+            <a:stretch>
+              <a:fillRect/>
+            </a:stretch>
+          </p:blipFill>
+          <p:spPr bwMode="auto">
+            <a:xfrm>
+              <a:off x="783116" y="2291894"/>
+              <a:ext cx="2459237" cy="1739950"/>
+            </a:xfrm>
+            <a:prstGeom prst="rect">
+              <a:avLst/>
+            </a:prstGeom>
+            <a:noFill/>
+            <a:extLst>
+              <a:ext uri="{909E8E84-426E-40DD-AFC4-6F175D3DCCD1}">
+                <a14:hiddenFill xmlns:a14="http://schemas.microsoft.com/office/drawing/2010/main">
+                  <a:solidFill>
+                    <a:srgbClr val="FFFFFF"/>
+                  </a:solidFill>
+                </a14:hiddenFill>
+              </a:ext>
+            </a:extLst>
+          </p:spPr>
+        </p:pic>
         <p:sp>
           <p:nvSpPr>
-            <p:cNvPr id="55" name="Arrow: Right 54">
+            <p:cNvPr id="4" name="AutoShape 4" descr="Sketch of a university campus on Craiyon">
               <a:extLst>
                 <a:ext uri="{FF2B5EF4-FFF2-40B4-BE49-F238E27FC236}">
-                  <a16:creationId xmlns:a16="http://schemas.microsoft.com/office/drawing/2014/main" id="{28476593-8BCD-924B-D351-9E629C1493FC}"/>
+                  <a16:creationId xmlns:a16="http://schemas.microsoft.com/office/drawing/2014/main" id="{128C6E1A-0A17-4E69-BF7D-15B6D334DE20}"/>
+                </a:ext>
+              </a:extLst>
+            </p:cNvPr>
+            <p:cNvSpPr>
+              <a:spLocks noChangeAspect="1" noChangeArrowheads="1"/>
+            </p:cNvSpPr>
+            <p:nvPr/>
+          </p:nvSpPr>
+          <p:spPr bwMode="auto">
+            <a:xfrm>
+              <a:off x="3404108" y="3180532"/>
+              <a:ext cx="207093" cy="207093"/>
+            </a:xfrm>
+            <a:prstGeom prst="rect">
+              <a:avLst/>
+            </a:prstGeom>
+            <a:noFill/>
+            <a:extLst>
+              <a:ext uri="{909E8E84-426E-40DD-AFC4-6F175D3DCCD1}">
+                <a14:hiddenFill xmlns:a14="http://schemas.microsoft.com/office/drawing/2010/main">
+                  <a:solidFill>
+                    <a:srgbClr val="FFFFFF"/>
+                  </a:solidFill>
+                </a14:hiddenFill>
+              </a:ext>
+            </a:extLst>
+          </p:spPr>
+          <p:txBody>
+            <a:bodyPr vert="horz" wrap="square" lIns="38576" tIns="19289" rIns="38576" bIns="19289" numCol="1" anchor="t" anchorCtr="0" compatLnSpc="1">
+              <a:prstTxWarp prst="textNoShape">
+                <a:avLst/>
+              </a:prstTxWarp>
+            </a:bodyPr>
+            <a:lstStyle/>
+            <a:p>
+              <a:endParaRPr lang="da-DK" sz="760"/>
+            </a:p>
+          </p:txBody>
+        </p:sp>
+        <p:pic>
+          <p:nvPicPr>
+            <p:cNvPr id="7" name="Picture 6">
+              <a:extLst>
+                <a:ext uri="{FF2B5EF4-FFF2-40B4-BE49-F238E27FC236}">
+                  <a16:creationId xmlns:a16="http://schemas.microsoft.com/office/drawing/2014/main" id="{79BF3BDE-3DE6-E0D0-70C7-DC90CE04F147}"/>
+                </a:ext>
+              </a:extLst>
+            </p:cNvPr>
+            <p:cNvPicPr>
+              <a:picLocks noChangeAspect="1"/>
+            </p:cNvPicPr>
+            <p:nvPr/>
+          </p:nvPicPr>
+          <p:blipFill>
+            <a:blip r:embed="rId3">
+              <a:duotone>
+                <a:schemeClr val="bg2">
+                  <a:shade val="45000"/>
+                  <a:satMod val="135000"/>
+                </a:schemeClr>
+                <a:prstClr val="white"/>
+              </a:duotone>
+            </a:blip>
+            <a:stretch>
+              <a:fillRect/>
+            </a:stretch>
+          </p:blipFill>
+          <p:spPr>
+            <a:xfrm>
+              <a:off x="3485512" y="2297742"/>
+              <a:ext cx="2283816" cy="1734102"/>
+            </a:xfrm>
+            <a:prstGeom prst="rect">
+              <a:avLst/>
+            </a:prstGeom>
+          </p:spPr>
+        </p:pic>
+        <p:pic>
+          <p:nvPicPr>
+            <p:cNvPr id="23" name="Picture 2" descr="Old Barn And Field Stock Illustration - Download Image Now - Farm,  Agricultural Field, Illustration - iStock">
+              <a:extLst>
+                <a:ext uri="{FF2B5EF4-FFF2-40B4-BE49-F238E27FC236}">
+                  <a16:creationId xmlns:a16="http://schemas.microsoft.com/office/drawing/2014/main" id="{4A95F63A-0E48-4353-C3EC-8DF2076C3A5D}"/>
+                </a:ext>
+              </a:extLst>
+            </p:cNvPr>
+            <p:cNvPicPr>
+              <a:picLocks noChangeAspect="1" noChangeArrowheads="1"/>
+            </p:cNvPicPr>
+            <p:nvPr/>
+          </p:nvPicPr>
+          <p:blipFill>
+            <a:blip r:embed="rId2">
+              <a:duotone>
+                <a:schemeClr val="accent2">
+                  <a:shade val="45000"/>
+                  <a:satMod val="135000"/>
+                </a:schemeClr>
+                <a:prstClr val="white"/>
+              </a:duotone>
+              <a:extLst>
+                <a:ext uri="{28A0092B-C50C-407E-A947-70E740481C1C}">
+                  <a14:useLocalDpi xmlns:a14="http://schemas.microsoft.com/office/drawing/2010/main" val="0"/>
+                </a:ext>
+              </a:extLst>
+            </a:blip>
+            <a:srcRect/>
+            <a:stretch>
+              <a:fillRect/>
+            </a:stretch>
+          </p:blipFill>
+          <p:spPr bwMode="auto">
+            <a:xfrm>
+              <a:off x="764974" y="4294436"/>
+              <a:ext cx="2459237" cy="1739950"/>
+            </a:xfrm>
+            <a:prstGeom prst="rect">
+              <a:avLst/>
+            </a:prstGeom>
+            <a:noFill/>
+            <a:extLst>
+              <a:ext uri="{909E8E84-426E-40DD-AFC4-6F175D3DCCD1}">
+                <a14:hiddenFill xmlns:a14="http://schemas.microsoft.com/office/drawing/2010/main">
+                  <a:solidFill>
+                    <a:srgbClr val="FFFFFF"/>
+                  </a:solidFill>
+                </a14:hiddenFill>
+              </a:ext>
+            </a:extLst>
+          </p:spPr>
+        </p:pic>
+        <p:pic>
+          <p:nvPicPr>
+            <p:cNvPr id="25" name="Picture 24">
+              <a:extLst>
+                <a:ext uri="{FF2B5EF4-FFF2-40B4-BE49-F238E27FC236}">
+                  <a16:creationId xmlns:a16="http://schemas.microsoft.com/office/drawing/2014/main" id="{C0549345-0DA6-27D3-F677-27ABFB4F01CB}"/>
+                </a:ext>
+              </a:extLst>
+            </p:cNvPr>
+            <p:cNvPicPr>
+              <a:picLocks noChangeAspect="1"/>
+            </p:cNvPicPr>
+            <p:nvPr/>
+          </p:nvPicPr>
+          <p:blipFill>
+            <a:blip r:embed="rId3">
+              <a:duotone>
+                <a:schemeClr val="accent5">
+                  <a:shade val="45000"/>
+                  <a:satMod val="135000"/>
+                </a:schemeClr>
+                <a:prstClr val="white"/>
+              </a:duotone>
+            </a:blip>
+            <a:stretch>
+              <a:fillRect/>
+            </a:stretch>
+          </p:blipFill>
+          <p:spPr>
+            <a:xfrm>
+              <a:off x="3482784" y="4337413"/>
+              <a:ext cx="2251382" cy="1709474"/>
+            </a:xfrm>
+            <a:prstGeom prst="rect">
+              <a:avLst/>
+            </a:prstGeom>
+          </p:spPr>
+        </p:pic>
+        <p:sp>
+          <p:nvSpPr>
+            <p:cNvPr id="48" name="Arrow: Right 47">
+              <a:extLst>
+                <a:ext uri="{FF2B5EF4-FFF2-40B4-BE49-F238E27FC236}">
+                  <a16:creationId xmlns:a16="http://schemas.microsoft.com/office/drawing/2014/main" id="{ACC716CE-9B72-8B7D-82B6-23014634E0C8}"/>
                 </a:ext>
               </a:extLst>
             </p:cNvPr>
@@ -3543,13 +3236,15 @@
           </p:nvSpPr>
           <p:spPr>
             <a:xfrm>
-              <a:off x="2563522" y="5927342"/>
-              <a:ext cx="1730955" cy="251040"/>
+              <a:off x="2394688" y="2757595"/>
+              <a:ext cx="2214177" cy="503278"/>
             </a:xfrm>
             <a:prstGeom prst="rightArrow">
               <a:avLst/>
             </a:prstGeom>
-            <a:grpFill/>
+            <a:solidFill>
+              <a:schemeClr val="bg2"/>
+            </a:solidFill>
           </p:spPr>
           <p:style>
             <a:lnRef idx="2">
@@ -3578,7 +3273,7 @@
                     <a:schemeClr val="tx1"/>
                   </a:solidFill>
                 </a:rPr>
-                <a:t>Learning</a:t>
+                <a:t>Time, resources, land</a:t>
               </a:r>
               <a:endParaRPr lang="da-DK" sz="1100" dirty="0">
                 <a:solidFill>
@@ -3590,10 +3285,10 @@
         </p:sp>
         <p:sp>
           <p:nvSpPr>
-            <p:cNvPr id="56" name="Arrow: Left 55">
+            <p:cNvPr id="50" name="Arrow: Left 49">
               <a:extLst>
                 <a:ext uri="{FF2B5EF4-FFF2-40B4-BE49-F238E27FC236}">
-                  <a16:creationId xmlns:a16="http://schemas.microsoft.com/office/drawing/2014/main" id="{CE3A0F83-AEBA-C756-B165-8A9EF5BED45E}"/>
+                  <a16:creationId xmlns:a16="http://schemas.microsoft.com/office/drawing/2014/main" id="{1B996779-B7CD-C91F-F4BE-A2D04DF89F63}"/>
                 </a:ext>
               </a:extLst>
             </p:cNvPr>
@@ -3602,7 +3297,188 @@
           </p:nvSpPr>
           <p:spPr>
             <a:xfrm>
-              <a:off x="2406169" y="6033976"/>
+              <a:off x="2118360" y="3088573"/>
+              <a:ext cx="2072548" cy="218799"/>
+            </a:xfrm>
+            <a:prstGeom prst="leftArrow">
+              <a:avLst/>
+            </a:prstGeom>
+            <a:solidFill>
+              <a:schemeClr val="tx1"/>
+            </a:solidFill>
+          </p:spPr>
+          <p:style>
+            <a:lnRef idx="2">
+              <a:schemeClr val="accent1">
+                <a:shade val="15000"/>
+              </a:schemeClr>
+            </a:lnRef>
+            <a:fillRef idx="1">
+              <a:schemeClr val="accent1"/>
+            </a:fillRef>
+            <a:effectRef idx="0">
+              <a:schemeClr val="accent1"/>
+            </a:effectRef>
+            <a:fontRef idx="minor">
+              <a:schemeClr val="lt1"/>
+            </a:fontRef>
+          </p:style>
+          <p:txBody>
+            <a:bodyPr rtlCol="0" anchor="ctr"/>
+            <a:lstStyle/>
+            <a:p>
+              <a:pPr algn="ctr"/>
+              <a:r>
+                <a:rPr lang="en-US" sz="1100" dirty="0"/>
+                <a:t>Time, resources, ‘knowledge’</a:t>
+              </a:r>
+              <a:endParaRPr lang="da-DK" sz="1100" dirty="0"/>
+            </a:p>
+          </p:txBody>
+        </p:sp>
+        <p:sp>
+          <p:nvSpPr>
+            <p:cNvPr id="52" name="Arrow: Left 51">
+              <a:extLst>
+                <a:ext uri="{FF2B5EF4-FFF2-40B4-BE49-F238E27FC236}">
+                  <a16:creationId xmlns:a16="http://schemas.microsoft.com/office/drawing/2014/main" id="{6F151098-9E45-A709-8698-B22B16217AC3}"/>
+                </a:ext>
+              </a:extLst>
+            </p:cNvPr>
+            <p:cNvSpPr/>
+            <p:nvPr/>
+          </p:nvSpPr>
+          <p:spPr>
+            <a:xfrm>
+              <a:off x="2302956" y="4479996"/>
+              <a:ext cx="1904049" cy="462423"/>
+            </a:xfrm>
+            <a:prstGeom prst="leftArrow">
+              <a:avLst/>
+            </a:prstGeom>
+            <a:solidFill>
+              <a:schemeClr val="accent5">
+                <a:lumMod val="40000"/>
+                <a:lumOff val="60000"/>
+              </a:schemeClr>
+            </a:solidFill>
+          </p:spPr>
+          <p:style>
+            <a:lnRef idx="2">
+              <a:schemeClr val="accent1">
+                <a:shade val="15000"/>
+              </a:schemeClr>
+            </a:lnRef>
+            <a:fillRef idx="1">
+              <a:schemeClr val="accent1"/>
+            </a:fillRef>
+            <a:effectRef idx="0">
+              <a:schemeClr val="accent1"/>
+            </a:effectRef>
+            <a:fontRef idx="minor">
+              <a:schemeClr val="lt1"/>
+            </a:fontRef>
+          </p:style>
+          <p:txBody>
+            <a:bodyPr rtlCol="0" anchor="ctr"/>
+            <a:lstStyle/>
+            <a:p>
+              <a:pPr algn="ctr"/>
+              <a:r>
+                <a:rPr lang="en-US" sz="1100" dirty="0">
+                  <a:solidFill>
+                    <a:schemeClr val="tx1"/>
+                  </a:solidFill>
+                </a:rPr>
+                <a:t>Time, resources, money</a:t>
+              </a:r>
+              <a:endParaRPr lang="da-DK" sz="1100" dirty="0">
+                <a:solidFill>
+                  <a:schemeClr val="tx1"/>
+                </a:solidFill>
+              </a:endParaRPr>
+            </a:p>
+          </p:txBody>
+        </p:sp>
+        <p:sp>
+          <p:nvSpPr>
+            <p:cNvPr id="53" name="Arrow: Right 52">
+              <a:extLst>
+                <a:ext uri="{FF2B5EF4-FFF2-40B4-BE49-F238E27FC236}">
+                  <a16:creationId xmlns:a16="http://schemas.microsoft.com/office/drawing/2014/main" id="{2F6EDF4F-5C02-99B8-0F6C-66DA3787664C}"/>
+                </a:ext>
+              </a:extLst>
+            </p:cNvPr>
+            <p:cNvSpPr/>
+            <p:nvPr/>
+          </p:nvSpPr>
+          <p:spPr>
+            <a:xfrm>
+              <a:off x="2632934" y="4878096"/>
+              <a:ext cx="1730955" cy="251040"/>
+            </a:xfrm>
+            <a:prstGeom prst="rightArrow">
+              <a:avLst/>
+            </a:prstGeom>
+            <a:solidFill>
+              <a:schemeClr val="accent2">
+                <a:lumMod val="60000"/>
+                <a:lumOff val="40000"/>
+              </a:schemeClr>
+            </a:solidFill>
+          </p:spPr>
+          <p:style>
+            <a:lnRef idx="2">
+              <a:schemeClr val="accent1">
+                <a:shade val="15000"/>
+              </a:schemeClr>
+            </a:lnRef>
+            <a:fillRef idx="1">
+              <a:schemeClr val="accent1"/>
+            </a:fillRef>
+            <a:effectRef idx="0">
+              <a:schemeClr val="accent1"/>
+            </a:effectRef>
+            <a:fontRef idx="minor">
+              <a:schemeClr val="lt1"/>
+            </a:fontRef>
+          </p:style>
+          <p:txBody>
+            <a:bodyPr rtlCol="0" anchor="ctr"/>
+            <a:lstStyle/>
+            <a:p>
+              <a:pPr algn="ctr"/>
+              <a:r>
+                <a:rPr lang="en-US" sz="1100" dirty="0">
+                  <a:solidFill>
+                    <a:schemeClr val="tx1"/>
+                  </a:solidFill>
+                </a:rPr>
+                <a:t>Trust</a:t>
+              </a:r>
+              <a:endParaRPr lang="da-DK" sz="1100" dirty="0">
+                <a:solidFill>
+                  <a:schemeClr val="tx1"/>
+                </a:solidFill>
+              </a:endParaRPr>
+            </a:p>
+          </p:txBody>
+        </p:sp>
+        <p:sp>
+          <p:nvSpPr>
+            <p:cNvPr id="54" name="Arrow: Left 53">
+              <a:extLst>
+                <a:ext uri="{FF2B5EF4-FFF2-40B4-BE49-F238E27FC236}">
+                  <a16:creationId xmlns:a16="http://schemas.microsoft.com/office/drawing/2014/main" id="{B3604570-09BD-2B60-B0E2-2E9CC8CEF90C}"/>
+                </a:ext>
+              </a:extLst>
+            </p:cNvPr>
+            <p:cNvSpPr/>
+            <p:nvPr/>
+          </p:nvSpPr>
+          <p:spPr>
+            <a:xfrm>
+              <a:off x="2475581" y="4984730"/>
               <a:ext cx="1730954" cy="228226"/>
             </a:xfrm>
             <a:prstGeom prst="leftArrow">
@@ -3642,7 +3518,7 @@
                     <a:schemeClr val="tx1"/>
                   </a:solidFill>
                 </a:rPr>
-                <a:t>Learning</a:t>
+                <a:t>Trust</a:t>
               </a:r>
               <a:endParaRPr lang="da-DK" sz="1100" dirty="0">
                 <a:solidFill>
@@ -3652,39 +3528,312 @@
             </a:p>
           </p:txBody>
         </p:sp>
-      </p:grpSp>
-      <p:grpSp>
-        <p:nvGrpSpPr>
-          <p:cNvPr id="58" name="Group 57">
-            <a:extLst>
-              <a:ext uri="{FF2B5EF4-FFF2-40B4-BE49-F238E27FC236}">
-                <a16:creationId xmlns:a16="http://schemas.microsoft.com/office/drawing/2014/main" id="{E538408A-7F62-5D80-BC08-C05355546744}"/>
-              </a:ext>
-            </a:extLst>
-          </p:cNvPr>
-          <p:cNvGrpSpPr/>
-          <p:nvPr/>
-        </p:nvGrpSpPr>
-        <p:grpSpPr>
-          <a:xfrm>
-            <a:off x="2459954" y="6119306"/>
-            <a:ext cx="1888308" cy="334860"/>
-            <a:chOff x="2406169" y="5927342"/>
-            <a:chExt cx="1888308" cy="334860"/>
-          </a:xfrm>
-          <a:solidFill>
-            <a:schemeClr val="accent5">
-              <a:lumMod val="40000"/>
-              <a:lumOff val="60000"/>
-            </a:schemeClr>
-          </a:solidFill>
-        </p:grpSpPr>
+        <p:grpSp>
+          <p:nvGrpSpPr>
+            <p:cNvPr id="57" name="Group 56">
+              <a:extLst>
+                <a:ext uri="{FF2B5EF4-FFF2-40B4-BE49-F238E27FC236}">
+                  <a16:creationId xmlns:a16="http://schemas.microsoft.com/office/drawing/2014/main" id="{5F66D153-6B3A-6073-C600-05FD48B8F8C3}"/>
+                </a:ext>
+              </a:extLst>
+            </p:cNvPr>
+            <p:cNvGrpSpPr/>
+            <p:nvPr/>
+          </p:nvGrpSpPr>
+          <p:grpSpPr>
+            <a:xfrm>
+              <a:off x="2459954" y="5274995"/>
+              <a:ext cx="1888308" cy="334860"/>
+              <a:chOff x="2406169" y="5927342"/>
+              <a:chExt cx="1888308" cy="334860"/>
+            </a:xfrm>
+            <a:solidFill>
+              <a:schemeClr val="accent2">
+                <a:lumMod val="60000"/>
+                <a:lumOff val="40000"/>
+              </a:schemeClr>
+            </a:solidFill>
+          </p:grpSpPr>
+          <p:sp>
+            <p:nvSpPr>
+              <p:cNvPr id="55" name="Arrow: Right 54">
+                <a:extLst>
+                  <a:ext uri="{FF2B5EF4-FFF2-40B4-BE49-F238E27FC236}">
+                    <a16:creationId xmlns:a16="http://schemas.microsoft.com/office/drawing/2014/main" id="{28476593-8BCD-924B-D351-9E629C1493FC}"/>
+                  </a:ext>
+                </a:extLst>
+              </p:cNvPr>
+              <p:cNvSpPr/>
+              <p:nvPr/>
+            </p:nvSpPr>
+            <p:spPr>
+              <a:xfrm>
+                <a:off x="2563522" y="5927342"/>
+                <a:ext cx="1730955" cy="251040"/>
+              </a:xfrm>
+              <a:prstGeom prst="rightArrow">
+                <a:avLst/>
+              </a:prstGeom>
+              <a:grpFill/>
+            </p:spPr>
+            <p:style>
+              <a:lnRef idx="2">
+                <a:schemeClr val="accent1">
+                  <a:shade val="15000"/>
+                </a:schemeClr>
+              </a:lnRef>
+              <a:fillRef idx="1">
+                <a:schemeClr val="accent1"/>
+              </a:fillRef>
+              <a:effectRef idx="0">
+                <a:schemeClr val="accent1"/>
+              </a:effectRef>
+              <a:fontRef idx="minor">
+                <a:schemeClr val="lt1"/>
+              </a:fontRef>
+            </p:style>
+            <p:txBody>
+              <a:bodyPr rtlCol="0" anchor="ctr"/>
+              <a:lstStyle/>
+              <a:p>
+                <a:pPr algn="ctr"/>
+                <a:r>
+                  <a:rPr lang="en-US" sz="1100" dirty="0">
+                    <a:solidFill>
+                      <a:schemeClr val="tx1"/>
+                    </a:solidFill>
+                  </a:rPr>
+                  <a:t>Learning</a:t>
+                </a:r>
+                <a:endParaRPr lang="da-DK" sz="1100" dirty="0">
+                  <a:solidFill>
+                    <a:schemeClr val="tx1"/>
+                  </a:solidFill>
+                </a:endParaRPr>
+              </a:p>
+            </p:txBody>
+          </p:sp>
+          <p:sp>
+            <p:nvSpPr>
+              <p:cNvPr id="56" name="Arrow: Left 55">
+                <a:extLst>
+                  <a:ext uri="{FF2B5EF4-FFF2-40B4-BE49-F238E27FC236}">
+                    <a16:creationId xmlns:a16="http://schemas.microsoft.com/office/drawing/2014/main" id="{CE3A0F83-AEBA-C756-B165-8A9EF5BED45E}"/>
+                  </a:ext>
+                </a:extLst>
+              </p:cNvPr>
+              <p:cNvSpPr/>
+              <p:nvPr/>
+            </p:nvSpPr>
+            <p:spPr>
+              <a:xfrm>
+                <a:off x="2406169" y="6033976"/>
+                <a:ext cx="1730954" cy="228226"/>
+              </a:xfrm>
+              <a:prstGeom prst="leftArrow">
+                <a:avLst/>
+              </a:prstGeom>
+              <a:solidFill>
+                <a:schemeClr val="accent5">
+                  <a:lumMod val="40000"/>
+                  <a:lumOff val="60000"/>
+                </a:schemeClr>
+              </a:solidFill>
+            </p:spPr>
+            <p:style>
+              <a:lnRef idx="2">
+                <a:schemeClr val="accent1">
+                  <a:shade val="15000"/>
+                </a:schemeClr>
+              </a:lnRef>
+              <a:fillRef idx="1">
+                <a:schemeClr val="accent1"/>
+              </a:fillRef>
+              <a:effectRef idx="0">
+                <a:schemeClr val="accent1"/>
+              </a:effectRef>
+              <a:fontRef idx="minor">
+                <a:schemeClr val="lt1"/>
+              </a:fontRef>
+            </p:style>
+            <p:txBody>
+              <a:bodyPr rtlCol="0" anchor="ctr"/>
+              <a:lstStyle/>
+              <a:p>
+                <a:pPr algn="ctr"/>
+                <a:r>
+                  <a:rPr lang="en-US" sz="1100" dirty="0">
+                    <a:solidFill>
+                      <a:schemeClr val="tx1"/>
+                    </a:solidFill>
+                  </a:rPr>
+                  <a:t>Learning</a:t>
+                </a:r>
+                <a:endParaRPr lang="da-DK" sz="1100" dirty="0">
+                  <a:solidFill>
+                    <a:schemeClr val="tx1"/>
+                  </a:solidFill>
+                </a:endParaRPr>
+              </a:p>
+            </p:txBody>
+          </p:sp>
+        </p:grpSp>
+        <p:grpSp>
+          <p:nvGrpSpPr>
+            <p:cNvPr id="58" name="Group 57">
+              <a:extLst>
+                <a:ext uri="{FF2B5EF4-FFF2-40B4-BE49-F238E27FC236}">
+                  <a16:creationId xmlns:a16="http://schemas.microsoft.com/office/drawing/2014/main" id="{E538408A-7F62-5D80-BC08-C05355546744}"/>
+                </a:ext>
+              </a:extLst>
+            </p:cNvPr>
+            <p:cNvGrpSpPr/>
+            <p:nvPr/>
+          </p:nvGrpSpPr>
+          <p:grpSpPr>
+            <a:xfrm>
+              <a:off x="2459954" y="5679636"/>
+              <a:ext cx="1888308" cy="334860"/>
+              <a:chOff x="2406169" y="5927342"/>
+              <a:chExt cx="1888308" cy="334860"/>
+            </a:xfrm>
+            <a:solidFill>
+              <a:schemeClr val="accent5">
+                <a:lumMod val="40000"/>
+                <a:lumOff val="60000"/>
+              </a:schemeClr>
+            </a:solidFill>
+          </p:grpSpPr>
+          <p:sp>
+            <p:nvSpPr>
+              <p:cNvPr id="59" name="Arrow: Right 58">
+                <a:extLst>
+                  <a:ext uri="{FF2B5EF4-FFF2-40B4-BE49-F238E27FC236}">
+                    <a16:creationId xmlns:a16="http://schemas.microsoft.com/office/drawing/2014/main" id="{D298190F-3D9B-1396-3A89-53BC3A58063A}"/>
+                  </a:ext>
+                </a:extLst>
+              </p:cNvPr>
+              <p:cNvSpPr/>
+              <p:nvPr/>
+            </p:nvSpPr>
+            <p:spPr>
+              <a:xfrm>
+                <a:off x="2563522" y="5927342"/>
+                <a:ext cx="1730955" cy="251040"/>
+              </a:xfrm>
+              <a:prstGeom prst="rightArrow">
+                <a:avLst/>
+              </a:prstGeom>
+              <a:solidFill>
+                <a:schemeClr val="accent2">
+                  <a:lumMod val="60000"/>
+                  <a:lumOff val="40000"/>
+                </a:schemeClr>
+              </a:solidFill>
+            </p:spPr>
+            <p:style>
+              <a:lnRef idx="2">
+                <a:schemeClr val="accent1">
+                  <a:shade val="15000"/>
+                </a:schemeClr>
+              </a:lnRef>
+              <a:fillRef idx="1">
+                <a:schemeClr val="accent1"/>
+              </a:fillRef>
+              <a:effectRef idx="0">
+                <a:schemeClr val="accent1"/>
+              </a:effectRef>
+              <a:fontRef idx="minor">
+                <a:schemeClr val="lt1"/>
+              </a:fontRef>
+            </p:style>
+            <p:txBody>
+              <a:bodyPr rtlCol="0" anchor="ctr"/>
+              <a:lstStyle/>
+              <a:p>
+                <a:pPr algn="ctr"/>
+                <a:r>
+                  <a:rPr lang="en-US" sz="1100" dirty="0">
+                    <a:solidFill>
+                      <a:schemeClr val="tx1"/>
+                    </a:solidFill>
+                  </a:rPr>
+                  <a:t>Transformation</a:t>
+                </a:r>
+                <a:endParaRPr lang="da-DK" sz="1100" dirty="0">
+                  <a:solidFill>
+                    <a:schemeClr val="tx1"/>
+                  </a:solidFill>
+                </a:endParaRPr>
+              </a:p>
+            </p:txBody>
+          </p:sp>
+          <p:sp>
+            <p:nvSpPr>
+              <p:cNvPr id="60" name="Arrow: Left 59">
+                <a:extLst>
+                  <a:ext uri="{FF2B5EF4-FFF2-40B4-BE49-F238E27FC236}">
+                    <a16:creationId xmlns:a16="http://schemas.microsoft.com/office/drawing/2014/main" id="{60B41D67-5622-8E24-F92F-46BE4CC0541B}"/>
+                  </a:ext>
+                </a:extLst>
+              </p:cNvPr>
+              <p:cNvSpPr/>
+              <p:nvPr/>
+            </p:nvSpPr>
+            <p:spPr>
+              <a:xfrm>
+                <a:off x="2406169" y="6033976"/>
+                <a:ext cx="1730954" cy="228226"/>
+              </a:xfrm>
+              <a:prstGeom prst="leftArrow">
+                <a:avLst/>
+              </a:prstGeom>
+              <a:grpFill/>
+            </p:spPr>
+            <p:style>
+              <a:lnRef idx="2">
+                <a:schemeClr val="accent1">
+                  <a:shade val="15000"/>
+                </a:schemeClr>
+              </a:lnRef>
+              <a:fillRef idx="1">
+                <a:schemeClr val="accent1"/>
+              </a:fillRef>
+              <a:effectRef idx="0">
+                <a:schemeClr val="accent1"/>
+              </a:effectRef>
+              <a:fontRef idx="minor">
+                <a:schemeClr val="lt1"/>
+              </a:fontRef>
+            </p:style>
+            <p:txBody>
+              <a:bodyPr rtlCol="0" anchor="ctr"/>
+              <a:lstStyle/>
+              <a:p>
+                <a:pPr algn="ctr"/>
+                <a:r>
+                  <a:rPr lang="en-US" sz="1100" dirty="0">
+                    <a:solidFill>
+                      <a:schemeClr val="tx1"/>
+                    </a:solidFill>
+                  </a:rPr>
+                  <a:t>Transformation</a:t>
+                </a:r>
+                <a:endParaRPr lang="da-DK" sz="1100" dirty="0">
+                  <a:solidFill>
+                    <a:schemeClr val="tx1"/>
+                  </a:solidFill>
+                </a:endParaRPr>
+              </a:p>
+            </p:txBody>
+          </p:sp>
+        </p:grpSp>
         <p:sp>
           <p:nvSpPr>
-            <p:cNvPr id="59" name="Arrow: Right 58">
+            <p:cNvPr id="51" name="Arrow: Right 50">
               <a:extLst>
                 <a:ext uri="{FF2B5EF4-FFF2-40B4-BE49-F238E27FC236}">
-                  <a16:creationId xmlns:a16="http://schemas.microsoft.com/office/drawing/2014/main" id="{D298190F-3D9B-1396-3A89-53BC3A58063A}"/>
+                  <a16:creationId xmlns:a16="http://schemas.microsoft.com/office/drawing/2014/main" id="{33D3E38F-F56E-5123-E0E8-B5FA8B57E4F1}"/>
                 </a:ext>
               </a:extLst>
             </p:cNvPr>
@@ -3693,8 +3842,8 @@
           </p:nvSpPr>
           <p:spPr>
             <a:xfrm>
-              <a:off x="2563522" y="5927342"/>
-              <a:ext cx="1730955" cy="251040"/>
+              <a:off x="2640051" y="4243776"/>
+              <a:ext cx="1730954" cy="462423"/>
             </a:xfrm>
             <a:prstGeom prst="rightArrow">
               <a:avLst/>
@@ -3733,7 +3882,7 @@
                     <a:schemeClr val="tx1"/>
                   </a:solidFill>
                 </a:rPr>
-                <a:t>Transformation</a:t>
+                <a:t>Time, resources, land</a:t>
               </a:r>
               <a:endParaRPr lang="da-DK" sz="1100" dirty="0">
                 <a:solidFill>
@@ -3745,10 +3894,10 @@
         </p:sp>
         <p:sp>
           <p:nvSpPr>
-            <p:cNvPr id="60" name="Arrow: Left 59">
+            <p:cNvPr id="2" name="Rectangle 1">
               <a:extLst>
                 <a:ext uri="{FF2B5EF4-FFF2-40B4-BE49-F238E27FC236}">
-                  <a16:creationId xmlns:a16="http://schemas.microsoft.com/office/drawing/2014/main" id="{60B41D67-5622-8E24-F92F-46BE4CC0541B}"/>
+                  <a16:creationId xmlns:a16="http://schemas.microsoft.com/office/drawing/2014/main" id="{55AD1299-0049-6754-181E-4FC69980B9CD}"/>
                 </a:ext>
               </a:extLst>
             </p:cNvPr>
@@ -3757,13 +3906,18 @@
           </p:nvSpPr>
           <p:spPr>
             <a:xfrm>
-              <a:off x="2406169" y="6033976"/>
-              <a:ext cx="1730954" cy="228226"/>
+              <a:off x="611490" y="2146992"/>
+              <a:ext cx="5327634" cy="1976534"/>
             </a:xfrm>
-            <a:prstGeom prst="leftArrow">
+            <a:prstGeom prst="rect">
               <a:avLst/>
             </a:prstGeom>
-            <a:grpFill/>
+            <a:noFill/>
+            <a:ln>
+              <a:solidFill>
+                <a:schemeClr val="tx1"/>
+              </a:solidFill>
+            </a:ln>
           </p:spPr>
           <p:style>
             <a:lnRef idx="2">
@@ -3786,87 +3940,139 @@
             <a:lstStyle/>
             <a:p>
               <a:pPr algn="ctr"/>
+              <a:endParaRPr lang="en-US"/>
+            </a:p>
+          </p:txBody>
+        </p:sp>
+        <p:sp>
+          <p:nvSpPr>
+            <p:cNvPr id="3" name="Rectangle 2">
+              <a:extLst>
+                <a:ext uri="{FF2B5EF4-FFF2-40B4-BE49-F238E27FC236}">
+                  <a16:creationId xmlns:a16="http://schemas.microsoft.com/office/drawing/2014/main" id="{96ED89A2-A1DC-E4C1-3712-9BED38B78D32}"/>
+                </a:ext>
+              </a:extLst>
+            </p:cNvPr>
+            <p:cNvSpPr/>
+            <p:nvPr/>
+          </p:nvSpPr>
+          <p:spPr>
+            <a:xfrm>
+              <a:off x="607471" y="4201466"/>
+              <a:ext cx="5327634" cy="1976534"/>
+            </a:xfrm>
+            <a:prstGeom prst="rect">
+              <a:avLst/>
+            </a:prstGeom>
+            <a:noFill/>
+            <a:ln>
+              <a:solidFill>
+                <a:schemeClr val="tx1"/>
+              </a:solidFill>
+            </a:ln>
+          </p:spPr>
+          <p:style>
+            <a:lnRef idx="2">
+              <a:schemeClr val="accent1">
+                <a:shade val="15000"/>
+              </a:schemeClr>
+            </a:lnRef>
+            <a:fillRef idx="1">
+              <a:schemeClr val="accent1"/>
+            </a:fillRef>
+            <a:effectRef idx="0">
+              <a:schemeClr val="accent1"/>
+            </a:effectRef>
+            <a:fontRef idx="minor">
+              <a:schemeClr val="lt1"/>
+            </a:fontRef>
+          </p:style>
+          <p:txBody>
+            <a:bodyPr rtlCol="0" anchor="ctr"/>
+            <a:lstStyle/>
+            <a:p>
+              <a:pPr algn="ctr"/>
+              <a:endParaRPr lang="en-US"/>
+            </a:p>
+          </p:txBody>
+        </p:sp>
+        <p:sp>
+          <p:nvSpPr>
+            <p:cNvPr id="5" name="TextBox 4">
+              <a:extLst>
+                <a:ext uri="{FF2B5EF4-FFF2-40B4-BE49-F238E27FC236}">
+                  <a16:creationId xmlns:a16="http://schemas.microsoft.com/office/drawing/2014/main" id="{88B80E13-CB89-F666-B833-8A14C9A30530}"/>
+                </a:ext>
+              </a:extLst>
+            </p:cNvPr>
+            <p:cNvSpPr txBox="1"/>
+            <p:nvPr/>
+          </p:nvSpPr>
+          <p:spPr>
+            <a:xfrm>
+              <a:off x="611490" y="2130540"/>
+              <a:ext cx="351378" cy="369332"/>
+            </a:xfrm>
+            <a:prstGeom prst="rect">
+              <a:avLst/>
+            </a:prstGeom>
+            <a:noFill/>
+          </p:spPr>
+          <p:txBody>
+            <a:bodyPr wrap="none" rtlCol="0">
+              <a:spAutoFit/>
+            </a:bodyPr>
+            <a:lstStyle/>
+            <a:p>
               <a:r>
-                <a:rPr lang="en-US" sz="1100" dirty="0">
-                  <a:solidFill>
-                    <a:schemeClr val="tx1"/>
-                  </a:solidFill>
+                <a:rPr lang="en-US" dirty="0">
+                  <a:latin typeface="Times New Roman" panose="02020603050405020304" pitchFamily="18" charset="0"/>
+                  <a:cs typeface="Times New Roman" panose="02020603050405020304" pitchFamily="18" charset="0"/>
                 </a:rPr>
-                <a:t>Transformation</a:t>
+                <a:t>A</a:t>
               </a:r>
-              <a:endParaRPr lang="da-DK" sz="1100" dirty="0">
-                <a:solidFill>
-                  <a:schemeClr val="tx1"/>
-                </a:solidFill>
-              </a:endParaRPr>
+            </a:p>
+          </p:txBody>
+        </p:sp>
+        <p:sp>
+          <p:nvSpPr>
+            <p:cNvPr id="6" name="TextBox 5">
+              <a:extLst>
+                <a:ext uri="{FF2B5EF4-FFF2-40B4-BE49-F238E27FC236}">
+                  <a16:creationId xmlns:a16="http://schemas.microsoft.com/office/drawing/2014/main" id="{BF269602-64A1-9CD2-9545-1867CE64BA96}"/>
+                </a:ext>
+              </a:extLst>
+            </p:cNvPr>
+            <p:cNvSpPr txBox="1"/>
+            <p:nvPr/>
+          </p:nvSpPr>
+          <p:spPr>
+            <a:xfrm>
+              <a:off x="599947" y="4196881"/>
+              <a:ext cx="338554" cy="369332"/>
+            </a:xfrm>
+            <a:prstGeom prst="rect">
+              <a:avLst/>
+            </a:prstGeom>
+            <a:noFill/>
+          </p:spPr>
+          <p:txBody>
+            <a:bodyPr wrap="none" rtlCol="0">
+              <a:spAutoFit/>
+            </a:bodyPr>
+            <a:lstStyle/>
+            <a:p>
+              <a:r>
+                <a:rPr lang="en-US" dirty="0">
+                  <a:latin typeface="Times New Roman" panose="02020603050405020304" pitchFamily="18" charset="0"/>
+                  <a:cs typeface="Times New Roman" panose="02020603050405020304" pitchFamily="18" charset="0"/>
+                </a:rPr>
+                <a:t>B</a:t>
+              </a:r>
             </a:p>
           </p:txBody>
         </p:sp>
       </p:grpSp>
-      <p:sp>
-        <p:nvSpPr>
-          <p:cNvPr id="51" name="Arrow: Right 50">
-            <a:extLst>
-              <a:ext uri="{FF2B5EF4-FFF2-40B4-BE49-F238E27FC236}">
-                <a16:creationId xmlns:a16="http://schemas.microsoft.com/office/drawing/2014/main" id="{33D3E38F-F56E-5123-E0E8-B5FA8B57E4F1}"/>
-              </a:ext>
-            </a:extLst>
-          </p:cNvPr>
-          <p:cNvSpPr/>
-          <p:nvPr/>
-        </p:nvSpPr>
-        <p:spPr>
-          <a:xfrm>
-            <a:off x="2640051" y="4683446"/>
-            <a:ext cx="1730954" cy="462423"/>
-          </a:xfrm>
-          <a:prstGeom prst="rightArrow">
-            <a:avLst/>
-          </a:prstGeom>
-          <a:solidFill>
-            <a:schemeClr val="accent2">
-              <a:lumMod val="60000"/>
-              <a:lumOff val="40000"/>
-            </a:schemeClr>
-          </a:solidFill>
-        </p:spPr>
-        <p:style>
-          <a:lnRef idx="2">
-            <a:schemeClr val="accent1">
-              <a:shade val="15000"/>
-            </a:schemeClr>
-          </a:lnRef>
-          <a:fillRef idx="1">
-            <a:schemeClr val="accent1"/>
-          </a:fillRef>
-          <a:effectRef idx="0">
-            <a:schemeClr val="accent1"/>
-          </a:effectRef>
-          <a:fontRef idx="minor">
-            <a:schemeClr val="lt1"/>
-          </a:fontRef>
-        </p:style>
-        <p:txBody>
-          <a:bodyPr rtlCol="0" anchor="ctr"/>
-          <a:lstStyle/>
-          <a:p>
-            <a:pPr algn="ctr"/>
-            <a:r>
-              <a:rPr lang="en-US" sz="1100" dirty="0">
-                <a:solidFill>
-                  <a:schemeClr val="tx1"/>
-                </a:solidFill>
-              </a:rPr>
-              <a:t>Time, resources, land</a:t>
-            </a:r>
-            <a:endParaRPr lang="da-DK" sz="1100" dirty="0">
-              <a:solidFill>
-                <a:schemeClr val="tx1"/>
-              </a:solidFill>
-            </a:endParaRPr>
-          </a:p>
-        </p:txBody>
-      </p:sp>
     </p:spTree>
     <p:extLst>
       <p:ext uri="{BB962C8B-B14F-4D97-AF65-F5344CB8AC3E}">

--- a/farmer-exchange-fig.pptx
+++ b/farmer-exchange-fig.pptx
@@ -6,6 +6,8 @@
   </p:sldMasterIdLst>
   <p:sldIdLst>
     <p:sldId id="256" r:id="rId2"/>
+    <p:sldId id="257" r:id="rId3"/>
+    <p:sldId id="258" r:id="rId4"/>
   </p:sldIdLst>
   <p:sldSz cx="6858000" cy="9144000" type="letter"/>
   <p:notesSz cx="6858000" cy="9144000"/>
@@ -243,7 +245,7 @@
           <a:p>
             <a:fld id="{0732DD73-D1D4-4E9F-8E19-15BB36F317BB}" type="datetimeFigureOut">
               <a:rPr lang="da-DK" smtClean="0"/>
-              <a:t>14-04-2024</a:t>
+              <a:t>09-06-2024</a:t>
             </a:fld>
             <a:endParaRPr lang="da-DK"/>
           </a:p>
@@ -413,7 +415,7 @@
           <a:p>
             <a:fld id="{0732DD73-D1D4-4E9F-8E19-15BB36F317BB}" type="datetimeFigureOut">
               <a:rPr lang="da-DK" smtClean="0"/>
-              <a:t>14-04-2024</a:t>
+              <a:t>09-06-2024</a:t>
             </a:fld>
             <a:endParaRPr lang="da-DK"/>
           </a:p>
@@ -593,7 +595,7 @@
           <a:p>
             <a:fld id="{0732DD73-D1D4-4E9F-8E19-15BB36F317BB}" type="datetimeFigureOut">
               <a:rPr lang="da-DK" smtClean="0"/>
-              <a:t>14-04-2024</a:t>
+              <a:t>09-06-2024</a:t>
             </a:fld>
             <a:endParaRPr lang="da-DK"/>
           </a:p>
@@ -763,7 +765,7 @@
           <a:p>
             <a:fld id="{0732DD73-D1D4-4E9F-8E19-15BB36F317BB}" type="datetimeFigureOut">
               <a:rPr lang="da-DK" smtClean="0"/>
-              <a:t>14-04-2024</a:t>
+              <a:t>09-06-2024</a:t>
             </a:fld>
             <a:endParaRPr lang="da-DK"/>
           </a:p>
@@ -1009,7 +1011,7 @@
           <a:p>
             <a:fld id="{0732DD73-D1D4-4E9F-8E19-15BB36F317BB}" type="datetimeFigureOut">
               <a:rPr lang="da-DK" smtClean="0"/>
-              <a:t>14-04-2024</a:t>
+              <a:t>09-06-2024</a:t>
             </a:fld>
             <a:endParaRPr lang="da-DK"/>
           </a:p>
@@ -1241,7 +1243,7 @@
           <a:p>
             <a:fld id="{0732DD73-D1D4-4E9F-8E19-15BB36F317BB}" type="datetimeFigureOut">
               <a:rPr lang="da-DK" smtClean="0"/>
-              <a:t>14-04-2024</a:t>
+              <a:t>09-06-2024</a:t>
             </a:fld>
             <a:endParaRPr lang="da-DK"/>
           </a:p>
@@ -1608,7 +1610,7 @@
           <a:p>
             <a:fld id="{0732DD73-D1D4-4E9F-8E19-15BB36F317BB}" type="datetimeFigureOut">
               <a:rPr lang="da-DK" smtClean="0"/>
-              <a:t>14-04-2024</a:t>
+              <a:t>09-06-2024</a:t>
             </a:fld>
             <a:endParaRPr lang="da-DK"/>
           </a:p>
@@ -1726,7 +1728,7 @@
           <a:p>
             <a:fld id="{0732DD73-D1D4-4E9F-8E19-15BB36F317BB}" type="datetimeFigureOut">
               <a:rPr lang="da-DK" smtClean="0"/>
-              <a:t>14-04-2024</a:t>
+              <a:t>09-06-2024</a:t>
             </a:fld>
             <a:endParaRPr lang="da-DK"/>
           </a:p>
@@ -1821,7 +1823,7 @@
           <a:p>
             <a:fld id="{0732DD73-D1D4-4E9F-8E19-15BB36F317BB}" type="datetimeFigureOut">
               <a:rPr lang="da-DK" smtClean="0"/>
-              <a:t>14-04-2024</a:t>
+              <a:t>09-06-2024</a:t>
             </a:fld>
             <a:endParaRPr lang="da-DK"/>
           </a:p>
@@ -2098,7 +2100,7 @@
           <a:p>
             <a:fld id="{0732DD73-D1D4-4E9F-8E19-15BB36F317BB}" type="datetimeFigureOut">
               <a:rPr lang="da-DK" smtClean="0"/>
-              <a:t>14-04-2024</a:t>
+              <a:t>09-06-2024</a:t>
             </a:fld>
             <a:endParaRPr lang="da-DK"/>
           </a:p>
@@ -2355,7 +2357,7 @@
           <a:p>
             <a:fld id="{0732DD73-D1D4-4E9F-8E19-15BB36F317BB}" type="datetimeFigureOut">
               <a:rPr lang="da-DK" smtClean="0"/>
-              <a:t>14-04-2024</a:t>
+              <a:t>09-06-2024</a:t>
             </a:fld>
             <a:endParaRPr lang="da-DK"/>
           </a:p>
@@ -2568,7 +2570,7 @@
           <a:p>
             <a:fld id="{0732DD73-D1D4-4E9F-8E19-15BB36F317BB}" type="datetimeFigureOut">
               <a:rPr lang="da-DK" smtClean="0"/>
-              <a:t>14-04-2024</a:t>
+              <a:t>09-06-2024</a:t>
             </a:fld>
             <a:endParaRPr lang="da-DK"/>
           </a:p>
@@ -3350,8 +3352,8 @@
           </p:nvSpPr>
           <p:spPr>
             <a:xfrm>
-              <a:off x="2302956" y="4479996"/>
-              <a:ext cx="1904049" cy="462423"/>
+              <a:off x="2389503" y="4509575"/>
+              <a:ext cx="1730954" cy="347425"/>
             </a:xfrm>
             <a:prstGeom prst="leftArrow">
               <a:avLst/>
@@ -3842,8 +3844,8 @@
           </p:nvSpPr>
           <p:spPr>
             <a:xfrm>
-              <a:off x="2640051" y="4243776"/>
-              <a:ext cx="1730954" cy="462423"/>
+              <a:off x="2633071" y="4318803"/>
+              <a:ext cx="1730954" cy="382168"/>
             </a:xfrm>
             <a:prstGeom prst="rightArrow">
               <a:avLst/>
@@ -4077,6 +4079,2448 @@
     <p:extLst>
       <p:ext uri="{BB962C8B-B14F-4D97-AF65-F5344CB8AC3E}">
         <p14:creationId xmlns:p14="http://schemas.microsoft.com/office/powerpoint/2010/main" val="603978523"/>
+      </p:ext>
+    </p:extLst>
+  </p:cSld>
+  <p:clrMapOvr>
+    <a:masterClrMapping/>
+  </p:clrMapOvr>
+</p:sld>
+</file>
+
+<file path=ppt/slides/slide2.xml><?xml version="1.0" encoding="utf-8"?>
+<p:sld xmlns:a="http://schemas.openxmlformats.org/drawingml/2006/main" xmlns:r="http://schemas.openxmlformats.org/officeDocument/2006/relationships" xmlns:p="http://schemas.openxmlformats.org/presentationml/2006/main">
+  <p:cSld>
+    <p:spTree>
+      <p:nvGrpSpPr>
+        <p:cNvPr id="1" name=""/>
+        <p:cNvGrpSpPr/>
+        <p:nvPr/>
+      </p:nvGrpSpPr>
+      <p:grpSpPr>
+        <a:xfrm>
+          <a:off x="0" y="0"/>
+          <a:ext cx="0" cy="0"/>
+          <a:chOff x="0" y="0"/>
+          <a:chExt cx="0" cy="0"/>
+        </a:xfrm>
+      </p:grpSpPr>
+      <p:grpSp>
+        <p:nvGrpSpPr>
+          <p:cNvPr id="27" name="Group 26">
+            <a:extLst>
+              <a:ext uri="{FF2B5EF4-FFF2-40B4-BE49-F238E27FC236}">
+                <a16:creationId xmlns:a16="http://schemas.microsoft.com/office/drawing/2014/main" id="{4E2A70F7-EF56-ABF0-317F-1B7B759E018A}"/>
+              </a:ext>
+            </a:extLst>
+          </p:cNvPr>
+          <p:cNvGrpSpPr/>
+          <p:nvPr/>
+        </p:nvGrpSpPr>
+        <p:grpSpPr>
+          <a:xfrm>
+            <a:off x="599947" y="2130540"/>
+            <a:ext cx="5339177" cy="4047460"/>
+            <a:chOff x="599947" y="2130540"/>
+            <a:chExt cx="5339177" cy="4047460"/>
+          </a:xfrm>
+        </p:grpSpPr>
+        <p:pic>
+          <p:nvPicPr>
+            <p:cNvPr id="1026" name="Picture 2" descr="Old Barn And Field Stock Illustration - Download Image Now - Farm,  Agricultural Field, Illustration - iStock">
+              <a:extLst>
+                <a:ext uri="{FF2B5EF4-FFF2-40B4-BE49-F238E27FC236}">
+                  <a16:creationId xmlns:a16="http://schemas.microsoft.com/office/drawing/2014/main" id="{3A468A0F-568C-235A-2488-688F17825C17}"/>
+                </a:ext>
+              </a:extLst>
+            </p:cNvPr>
+            <p:cNvPicPr>
+              <a:picLocks noChangeAspect="1" noChangeArrowheads="1"/>
+            </p:cNvPicPr>
+            <p:nvPr/>
+          </p:nvPicPr>
+          <p:blipFill>
+            <a:blip r:embed="rId2">
+              <a:duotone>
+                <a:schemeClr val="bg2">
+                  <a:shade val="45000"/>
+                  <a:satMod val="135000"/>
+                </a:schemeClr>
+                <a:prstClr val="white"/>
+              </a:duotone>
+              <a:extLst>
+                <a:ext uri="{28A0092B-C50C-407E-A947-70E740481C1C}">
+                  <a14:useLocalDpi xmlns:a14="http://schemas.microsoft.com/office/drawing/2010/main" val="0"/>
+                </a:ext>
+              </a:extLst>
+            </a:blip>
+            <a:srcRect/>
+            <a:stretch>
+              <a:fillRect/>
+            </a:stretch>
+          </p:blipFill>
+          <p:spPr bwMode="auto">
+            <a:xfrm>
+              <a:off x="783116" y="2291894"/>
+              <a:ext cx="2459237" cy="1739950"/>
+            </a:xfrm>
+            <a:prstGeom prst="rect">
+              <a:avLst/>
+            </a:prstGeom>
+            <a:noFill/>
+            <a:extLst>
+              <a:ext uri="{909E8E84-426E-40DD-AFC4-6F175D3DCCD1}">
+                <a14:hiddenFill xmlns:a14="http://schemas.microsoft.com/office/drawing/2010/main">
+                  <a:solidFill>
+                    <a:srgbClr val="FFFFFF"/>
+                  </a:solidFill>
+                </a14:hiddenFill>
+              </a:ext>
+            </a:extLst>
+          </p:spPr>
+        </p:pic>
+        <p:sp>
+          <p:nvSpPr>
+            <p:cNvPr id="4" name="AutoShape 4" descr="Sketch of a university campus on Craiyon">
+              <a:extLst>
+                <a:ext uri="{FF2B5EF4-FFF2-40B4-BE49-F238E27FC236}">
+                  <a16:creationId xmlns:a16="http://schemas.microsoft.com/office/drawing/2014/main" id="{128C6E1A-0A17-4E69-BF7D-15B6D334DE20}"/>
+                </a:ext>
+              </a:extLst>
+            </p:cNvPr>
+            <p:cNvSpPr>
+              <a:spLocks noChangeAspect="1" noChangeArrowheads="1"/>
+            </p:cNvSpPr>
+            <p:nvPr/>
+          </p:nvSpPr>
+          <p:spPr bwMode="auto">
+            <a:xfrm>
+              <a:off x="3404108" y="3180532"/>
+              <a:ext cx="207093" cy="207093"/>
+            </a:xfrm>
+            <a:prstGeom prst="rect">
+              <a:avLst/>
+            </a:prstGeom>
+            <a:noFill/>
+            <a:extLst>
+              <a:ext uri="{909E8E84-426E-40DD-AFC4-6F175D3DCCD1}">
+                <a14:hiddenFill xmlns:a14="http://schemas.microsoft.com/office/drawing/2010/main">
+                  <a:solidFill>
+                    <a:srgbClr val="FFFFFF"/>
+                  </a:solidFill>
+                </a14:hiddenFill>
+              </a:ext>
+            </a:extLst>
+          </p:spPr>
+          <p:txBody>
+            <a:bodyPr vert="horz" wrap="square" lIns="38576" tIns="19289" rIns="38576" bIns="19289" numCol="1" anchor="t" anchorCtr="0" compatLnSpc="1">
+              <a:prstTxWarp prst="textNoShape">
+                <a:avLst/>
+              </a:prstTxWarp>
+            </a:bodyPr>
+            <a:lstStyle/>
+            <a:p>
+              <a:endParaRPr lang="da-DK" sz="760"/>
+            </a:p>
+          </p:txBody>
+        </p:sp>
+        <p:pic>
+          <p:nvPicPr>
+            <p:cNvPr id="7" name="Picture 6">
+              <a:extLst>
+                <a:ext uri="{FF2B5EF4-FFF2-40B4-BE49-F238E27FC236}">
+                  <a16:creationId xmlns:a16="http://schemas.microsoft.com/office/drawing/2014/main" id="{79BF3BDE-3DE6-E0D0-70C7-DC90CE04F147}"/>
+                </a:ext>
+              </a:extLst>
+            </p:cNvPr>
+            <p:cNvPicPr>
+              <a:picLocks noChangeAspect="1"/>
+            </p:cNvPicPr>
+            <p:nvPr/>
+          </p:nvPicPr>
+          <p:blipFill>
+            <a:blip r:embed="rId3">
+              <a:duotone>
+                <a:schemeClr val="bg2">
+                  <a:shade val="45000"/>
+                  <a:satMod val="135000"/>
+                </a:schemeClr>
+                <a:prstClr val="white"/>
+              </a:duotone>
+            </a:blip>
+            <a:stretch>
+              <a:fillRect/>
+            </a:stretch>
+          </p:blipFill>
+          <p:spPr>
+            <a:xfrm>
+              <a:off x="3485512" y="2297742"/>
+              <a:ext cx="2283816" cy="1734102"/>
+            </a:xfrm>
+            <a:prstGeom prst="rect">
+              <a:avLst/>
+            </a:prstGeom>
+          </p:spPr>
+        </p:pic>
+        <p:pic>
+          <p:nvPicPr>
+            <p:cNvPr id="23" name="Picture 2" descr="Old Barn And Field Stock Illustration - Download Image Now - Farm,  Agricultural Field, Illustration - iStock">
+              <a:extLst>
+                <a:ext uri="{FF2B5EF4-FFF2-40B4-BE49-F238E27FC236}">
+                  <a16:creationId xmlns:a16="http://schemas.microsoft.com/office/drawing/2014/main" id="{4A95F63A-0E48-4353-C3EC-8DF2076C3A5D}"/>
+                </a:ext>
+              </a:extLst>
+            </p:cNvPr>
+            <p:cNvPicPr>
+              <a:picLocks noChangeAspect="1" noChangeArrowheads="1"/>
+            </p:cNvPicPr>
+            <p:nvPr/>
+          </p:nvPicPr>
+          <p:blipFill>
+            <a:blip r:embed="rId2">
+              <a:duotone>
+                <a:schemeClr val="accent2">
+                  <a:shade val="45000"/>
+                  <a:satMod val="135000"/>
+                </a:schemeClr>
+                <a:prstClr val="white"/>
+              </a:duotone>
+              <a:extLst>
+                <a:ext uri="{28A0092B-C50C-407E-A947-70E740481C1C}">
+                  <a14:useLocalDpi xmlns:a14="http://schemas.microsoft.com/office/drawing/2010/main" val="0"/>
+                </a:ext>
+              </a:extLst>
+            </a:blip>
+            <a:srcRect/>
+            <a:stretch>
+              <a:fillRect/>
+            </a:stretch>
+          </p:blipFill>
+          <p:spPr bwMode="auto">
+            <a:xfrm>
+              <a:off x="764974" y="4294436"/>
+              <a:ext cx="2459237" cy="1739950"/>
+            </a:xfrm>
+            <a:prstGeom prst="rect">
+              <a:avLst/>
+            </a:prstGeom>
+            <a:noFill/>
+            <a:extLst>
+              <a:ext uri="{909E8E84-426E-40DD-AFC4-6F175D3DCCD1}">
+                <a14:hiddenFill xmlns:a14="http://schemas.microsoft.com/office/drawing/2010/main">
+                  <a:solidFill>
+                    <a:srgbClr val="FFFFFF"/>
+                  </a:solidFill>
+                </a14:hiddenFill>
+              </a:ext>
+            </a:extLst>
+          </p:spPr>
+        </p:pic>
+        <p:pic>
+          <p:nvPicPr>
+            <p:cNvPr id="25" name="Picture 24">
+              <a:extLst>
+                <a:ext uri="{FF2B5EF4-FFF2-40B4-BE49-F238E27FC236}">
+                  <a16:creationId xmlns:a16="http://schemas.microsoft.com/office/drawing/2014/main" id="{C0549345-0DA6-27D3-F677-27ABFB4F01CB}"/>
+                </a:ext>
+              </a:extLst>
+            </p:cNvPr>
+            <p:cNvPicPr>
+              <a:picLocks noChangeAspect="1"/>
+            </p:cNvPicPr>
+            <p:nvPr/>
+          </p:nvPicPr>
+          <p:blipFill>
+            <a:blip r:embed="rId3">
+              <a:duotone>
+                <a:schemeClr val="accent5">
+                  <a:shade val="45000"/>
+                  <a:satMod val="135000"/>
+                </a:schemeClr>
+                <a:prstClr val="white"/>
+              </a:duotone>
+            </a:blip>
+            <a:stretch>
+              <a:fillRect/>
+            </a:stretch>
+          </p:blipFill>
+          <p:spPr>
+            <a:xfrm>
+              <a:off x="3467778" y="4294436"/>
+              <a:ext cx="2271859" cy="1725022"/>
+            </a:xfrm>
+            <a:prstGeom prst="rect">
+              <a:avLst/>
+            </a:prstGeom>
+          </p:spPr>
+        </p:pic>
+        <p:sp>
+          <p:nvSpPr>
+            <p:cNvPr id="50" name="Arrow: Left 49">
+              <a:extLst>
+                <a:ext uri="{FF2B5EF4-FFF2-40B4-BE49-F238E27FC236}">
+                  <a16:creationId xmlns:a16="http://schemas.microsoft.com/office/drawing/2014/main" id="{1B996779-B7CD-C91F-F4BE-A2D04DF89F63}"/>
+                </a:ext>
+              </a:extLst>
+            </p:cNvPr>
+            <p:cNvSpPr/>
+            <p:nvPr/>
+          </p:nvSpPr>
+          <p:spPr>
+            <a:xfrm>
+              <a:off x="2118360" y="3052595"/>
+              <a:ext cx="2072548" cy="272342"/>
+            </a:xfrm>
+            <a:prstGeom prst="leftArrow">
+              <a:avLst/>
+            </a:prstGeom>
+            <a:solidFill>
+              <a:schemeClr val="tx1"/>
+            </a:solidFill>
+          </p:spPr>
+          <p:style>
+            <a:lnRef idx="2">
+              <a:schemeClr val="accent1">
+                <a:shade val="15000"/>
+              </a:schemeClr>
+            </a:lnRef>
+            <a:fillRef idx="1">
+              <a:schemeClr val="accent1"/>
+            </a:fillRef>
+            <a:effectRef idx="0">
+              <a:schemeClr val="accent1"/>
+            </a:effectRef>
+            <a:fontRef idx="minor">
+              <a:schemeClr val="lt1"/>
+            </a:fontRef>
+          </p:style>
+          <p:txBody>
+            <a:bodyPr rtlCol="0" anchor="ctr"/>
+            <a:lstStyle/>
+            <a:p>
+              <a:pPr algn="ctr"/>
+              <a:r>
+                <a:rPr lang="en-US" sz="1000" dirty="0">
+                  <a:latin typeface="ADLaM Display" panose="02010000000000000000" pitchFamily="2" charset="0"/>
+                  <a:ea typeface="ADLaM Display" panose="02010000000000000000" pitchFamily="2" charset="0"/>
+                  <a:cs typeface="ADLaM Display" panose="02010000000000000000" pitchFamily="2" charset="0"/>
+                </a:rPr>
+                <a:t>Time, resources, ‘knowledge’</a:t>
+              </a:r>
+              <a:endParaRPr lang="da-DK" sz="1000" dirty="0">
+                <a:latin typeface="ADLaM Display" panose="02010000000000000000" pitchFamily="2" charset="0"/>
+                <a:ea typeface="ADLaM Display" panose="02010000000000000000" pitchFamily="2" charset="0"/>
+                <a:cs typeface="ADLaM Display" panose="02010000000000000000" pitchFamily="2" charset="0"/>
+              </a:endParaRPr>
+            </a:p>
+          </p:txBody>
+        </p:sp>
+        <p:sp>
+          <p:nvSpPr>
+            <p:cNvPr id="48" name="Arrow: Right 47">
+              <a:extLst>
+                <a:ext uri="{FF2B5EF4-FFF2-40B4-BE49-F238E27FC236}">
+                  <a16:creationId xmlns:a16="http://schemas.microsoft.com/office/drawing/2014/main" id="{ACC716CE-9B72-8B7D-82B6-23014634E0C8}"/>
+                </a:ext>
+              </a:extLst>
+            </p:cNvPr>
+            <p:cNvSpPr/>
+            <p:nvPr/>
+          </p:nvSpPr>
+          <p:spPr>
+            <a:xfrm>
+              <a:off x="2394688" y="2757595"/>
+              <a:ext cx="2214177" cy="503278"/>
+            </a:xfrm>
+            <a:prstGeom prst="rightArrow">
+              <a:avLst/>
+            </a:prstGeom>
+            <a:solidFill>
+              <a:schemeClr val="bg2"/>
+            </a:solidFill>
+          </p:spPr>
+          <p:style>
+            <a:lnRef idx="2">
+              <a:schemeClr val="accent1">
+                <a:shade val="15000"/>
+              </a:schemeClr>
+            </a:lnRef>
+            <a:fillRef idx="1">
+              <a:schemeClr val="accent1"/>
+            </a:fillRef>
+            <a:effectRef idx="0">
+              <a:schemeClr val="accent1"/>
+            </a:effectRef>
+            <a:fontRef idx="minor">
+              <a:schemeClr val="lt1"/>
+            </a:fontRef>
+          </p:style>
+          <p:txBody>
+            <a:bodyPr rtlCol="0" anchor="ctr"/>
+            <a:lstStyle/>
+            <a:p>
+              <a:pPr algn="ctr"/>
+              <a:r>
+                <a:rPr lang="en-US" sz="1100" dirty="0">
+                  <a:solidFill>
+                    <a:schemeClr val="tx1"/>
+                  </a:solidFill>
+                  <a:latin typeface="ADLaM Display" panose="020F0502020204030204" pitchFamily="2" charset="0"/>
+                  <a:ea typeface="ADLaM Display" panose="020F0502020204030204" pitchFamily="2" charset="0"/>
+                  <a:cs typeface="ADLaM Display" panose="020F0502020204030204" pitchFamily="2" charset="0"/>
+                </a:rPr>
+                <a:t>Time, resources, land</a:t>
+              </a:r>
+              <a:endParaRPr lang="da-DK" sz="1100" dirty="0">
+                <a:solidFill>
+                  <a:schemeClr val="tx1"/>
+                </a:solidFill>
+                <a:latin typeface="ADLaM Display" panose="020F0502020204030204" pitchFamily="2" charset="0"/>
+                <a:ea typeface="ADLaM Display" panose="020F0502020204030204" pitchFamily="2" charset="0"/>
+                <a:cs typeface="ADLaM Display" panose="020F0502020204030204" pitchFamily="2" charset="0"/>
+              </a:endParaRPr>
+            </a:p>
+          </p:txBody>
+        </p:sp>
+        <p:sp>
+          <p:nvSpPr>
+            <p:cNvPr id="52" name="Arrow: Left 51">
+              <a:extLst>
+                <a:ext uri="{FF2B5EF4-FFF2-40B4-BE49-F238E27FC236}">
+                  <a16:creationId xmlns:a16="http://schemas.microsoft.com/office/drawing/2014/main" id="{6F151098-9E45-A709-8698-B22B16217AC3}"/>
+                </a:ext>
+              </a:extLst>
+            </p:cNvPr>
+            <p:cNvSpPr/>
+            <p:nvPr/>
+          </p:nvSpPr>
+          <p:spPr>
+            <a:xfrm>
+              <a:off x="2386829" y="4397011"/>
+              <a:ext cx="1730954" cy="287128"/>
+            </a:xfrm>
+            <a:prstGeom prst="leftArrow">
+              <a:avLst/>
+            </a:prstGeom>
+            <a:solidFill>
+              <a:schemeClr val="accent5">
+                <a:lumMod val="40000"/>
+                <a:lumOff val="60000"/>
+              </a:schemeClr>
+            </a:solidFill>
+            <a:ln w="12700"/>
+          </p:spPr>
+          <p:style>
+            <a:lnRef idx="2">
+              <a:schemeClr val="accent1">
+                <a:shade val="15000"/>
+              </a:schemeClr>
+            </a:lnRef>
+            <a:fillRef idx="1">
+              <a:schemeClr val="accent1"/>
+            </a:fillRef>
+            <a:effectRef idx="0">
+              <a:schemeClr val="accent1"/>
+            </a:effectRef>
+            <a:fontRef idx="minor">
+              <a:schemeClr val="lt1"/>
+            </a:fontRef>
+          </p:style>
+          <p:txBody>
+            <a:bodyPr rtlCol="0" anchor="ctr"/>
+            <a:lstStyle/>
+            <a:p>
+              <a:pPr algn="ctr"/>
+              <a:r>
+                <a:rPr lang="en-US" sz="900" dirty="0">
+                  <a:solidFill>
+                    <a:schemeClr val="tx1"/>
+                  </a:solidFill>
+                  <a:latin typeface="ADLaM Display" panose="02010000000000000000" pitchFamily="2" charset="0"/>
+                  <a:ea typeface="ADLaM Display" panose="02010000000000000000" pitchFamily="2" charset="0"/>
+                  <a:cs typeface="ADLaM Display" panose="02010000000000000000" pitchFamily="2" charset="0"/>
+                </a:rPr>
+                <a:t>Time, resources, money</a:t>
+              </a:r>
+              <a:endParaRPr lang="da-DK" sz="900" dirty="0">
+                <a:solidFill>
+                  <a:schemeClr val="tx1"/>
+                </a:solidFill>
+                <a:latin typeface="ADLaM Display" panose="02010000000000000000" pitchFamily="2" charset="0"/>
+                <a:ea typeface="ADLaM Display" panose="02010000000000000000" pitchFamily="2" charset="0"/>
+                <a:cs typeface="ADLaM Display" panose="02010000000000000000" pitchFamily="2" charset="0"/>
+              </a:endParaRPr>
+            </a:p>
+          </p:txBody>
+        </p:sp>
+        <p:sp>
+          <p:nvSpPr>
+            <p:cNvPr id="51" name="Arrow: Right 50">
+              <a:extLst>
+                <a:ext uri="{FF2B5EF4-FFF2-40B4-BE49-F238E27FC236}">
+                  <a16:creationId xmlns:a16="http://schemas.microsoft.com/office/drawing/2014/main" id="{33D3E38F-F56E-5123-E0E8-B5FA8B57E4F1}"/>
+                </a:ext>
+              </a:extLst>
+            </p:cNvPr>
+            <p:cNvSpPr/>
+            <p:nvPr/>
+          </p:nvSpPr>
+          <p:spPr>
+            <a:xfrm>
+              <a:off x="2630397" y="4267387"/>
+              <a:ext cx="1730954" cy="287128"/>
+            </a:xfrm>
+            <a:prstGeom prst="rightArrow">
+              <a:avLst/>
+            </a:prstGeom>
+            <a:solidFill>
+              <a:schemeClr val="accent2">
+                <a:lumMod val="60000"/>
+                <a:lumOff val="40000"/>
+              </a:schemeClr>
+            </a:solidFill>
+            <a:ln w="12700"/>
+          </p:spPr>
+          <p:style>
+            <a:lnRef idx="2">
+              <a:schemeClr val="accent1">
+                <a:shade val="15000"/>
+              </a:schemeClr>
+            </a:lnRef>
+            <a:fillRef idx="1">
+              <a:schemeClr val="accent1"/>
+            </a:fillRef>
+            <a:effectRef idx="0">
+              <a:schemeClr val="accent1"/>
+            </a:effectRef>
+            <a:fontRef idx="minor">
+              <a:schemeClr val="lt1"/>
+            </a:fontRef>
+          </p:style>
+          <p:txBody>
+            <a:bodyPr rtlCol="0" anchor="ctr"/>
+            <a:lstStyle/>
+            <a:p>
+              <a:pPr algn="ctr"/>
+              <a:r>
+                <a:rPr lang="en-US" sz="900" dirty="0">
+                  <a:solidFill>
+                    <a:schemeClr val="tx1"/>
+                  </a:solidFill>
+                  <a:latin typeface="ADLaM Display" panose="02010000000000000000" pitchFamily="2" charset="0"/>
+                  <a:ea typeface="ADLaM Display" panose="02010000000000000000" pitchFamily="2" charset="0"/>
+                  <a:cs typeface="ADLaM Display" panose="02010000000000000000" pitchFamily="2" charset="0"/>
+                </a:rPr>
+                <a:t>Time, resources, land</a:t>
+              </a:r>
+              <a:endParaRPr lang="da-DK" sz="900" dirty="0">
+                <a:solidFill>
+                  <a:schemeClr val="tx1"/>
+                </a:solidFill>
+                <a:latin typeface="ADLaM Display" panose="02010000000000000000" pitchFamily="2" charset="0"/>
+                <a:ea typeface="ADLaM Display" panose="02010000000000000000" pitchFamily="2" charset="0"/>
+                <a:cs typeface="ADLaM Display" panose="02010000000000000000" pitchFamily="2" charset="0"/>
+              </a:endParaRPr>
+            </a:p>
+          </p:txBody>
+        </p:sp>
+        <p:sp>
+          <p:nvSpPr>
+            <p:cNvPr id="2" name="Rectangle 1">
+              <a:extLst>
+                <a:ext uri="{FF2B5EF4-FFF2-40B4-BE49-F238E27FC236}">
+                  <a16:creationId xmlns:a16="http://schemas.microsoft.com/office/drawing/2014/main" id="{55AD1299-0049-6754-181E-4FC69980B9CD}"/>
+                </a:ext>
+              </a:extLst>
+            </p:cNvPr>
+            <p:cNvSpPr/>
+            <p:nvPr/>
+          </p:nvSpPr>
+          <p:spPr>
+            <a:xfrm>
+              <a:off x="611490" y="2146992"/>
+              <a:ext cx="5327634" cy="1976534"/>
+            </a:xfrm>
+            <a:prstGeom prst="rect">
+              <a:avLst/>
+            </a:prstGeom>
+            <a:noFill/>
+            <a:ln>
+              <a:solidFill>
+                <a:schemeClr val="tx1"/>
+              </a:solidFill>
+            </a:ln>
+          </p:spPr>
+          <p:style>
+            <a:lnRef idx="2">
+              <a:schemeClr val="accent1">
+                <a:shade val="15000"/>
+              </a:schemeClr>
+            </a:lnRef>
+            <a:fillRef idx="1">
+              <a:schemeClr val="accent1"/>
+            </a:fillRef>
+            <a:effectRef idx="0">
+              <a:schemeClr val="accent1"/>
+            </a:effectRef>
+            <a:fontRef idx="minor">
+              <a:schemeClr val="lt1"/>
+            </a:fontRef>
+          </p:style>
+          <p:txBody>
+            <a:bodyPr rtlCol="0" anchor="ctr"/>
+            <a:lstStyle/>
+            <a:p>
+              <a:pPr algn="ctr"/>
+              <a:endParaRPr lang="en-US"/>
+            </a:p>
+          </p:txBody>
+        </p:sp>
+        <p:sp>
+          <p:nvSpPr>
+            <p:cNvPr id="3" name="Rectangle 2">
+              <a:extLst>
+                <a:ext uri="{FF2B5EF4-FFF2-40B4-BE49-F238E27FC236}">
+                  <a16:creationId xmlns:a16="http://schemas.microsoft.com/office/drawing/2014/main" id="{96ED89A2-A1DC-E4C1-3712-9BED38B78D32}"/>
+                </a:ext>
+              </a:extLst>
+            </p:cNvPr>
+            <p:cNvSpPr/>
+            <p:nvPr/>
+          </p:nvSpPr>
+          <p:spPr>
+            <a:xfrm>
+              <a:off x="607471" y="4201466"/>
+              <a:ext cx="5327634" cy="1976534"/>
+            </a:xfrm>
+            <a:prstGeom prst="rect">
+              <a:avLst/>
+            </a:prstGeom>
+            <a:noFill/>
+            <a:ln>
+              <a:solidFill>
+                <a:schemeClr val="tx1"/>
+              </a:solidFill>
+            </a:ln>
+          </p:spPr>
+          <p:style>
+            <a:lnRef idx="2">
+              <a:schemeClr val="accent1">
+                <a:shade val="15000"/>
+              </a:schemeClr>
+            </a:lnRef>
+            <a:fillRef idx="1">
+              <a:schemeClr val="accent1"/>
+            </a:fillRef>
+            <a:effectRef idx="0">
+              <a:schemeClr val="accent1"/>
+            </a:effectRef>
+            <a:fontRef idx="minor">
+              <a:schemeClr val="lt1"/>
+            </a:fontRef>
+          </p:style>
+          <p:txBody>
+            <a:bodyPr rtlCol="0" anchor="ctr"/>
+            <a:lstStyle/>
+            <a:p>
+              <a:pPr algn="ctr"/>
+              <a:endParaRPr lang="en-US"/>
+            </a:p>
+          </p:txBody>
+        </p:sp>
+        <p:sp>
+          <p:nvSpPr>
+            <p:cNvPr id="5" name="TextBox 4">
+              <a:extLst>
+                <a:ext uri="{FF2B5EF4-FFF2-40B4-BE49-F238E27FC236}">
+                  <a16:creationId xmlns:a16="http://schemas.microsoft.com/office/drawing/2014/main" id="{88B80E13-CB89-F666-B833-8A14C9A30530}"/>
+                </a:ext>
+              </a:extLst>
+            </p:cNvPr>
+            <p:cNvSpPr txBox="1"/>
+            <p:nvPr/>
+          </p:nvSpPr>
+          <p:spPr>
+            <a:xfrm>
+              <a:off x="611490" y="2130540"/>
+              <a:ext cx="314510" cy="369332"/>
+            </a:xfrm>
+            <a:prstGeom prst="rect">
+              <a:avLst/>
+            </a:prstGeom>
+            <a:noFill/>
+          </p:spPr>
+          <p:txBody>
+            <a:bodyPr wrap="none" rtlCol="0">
+              <a:spAutoFit/>
+            </a:bodyPr>
+            <a:lstStyle/>
+            <a:p>
+              <a:r>
+                <a:rPr lang="en-US" dirty="0">
+                  <a:latin typeface="ADLaM Display" panose="02010000000000000000" pitchFamily="2" charset="0"/>
+                  <a:ea typeface="ADLaM Display" panose="02010000000000000000" pitchFamily="2" charset="0"/>
+                  <a:cs typeface="ADLaM Display" panose="02010000000000000000" pitchFamily="2" charset="0"/>
+                </a:rPr>
+                <a:t>a</a:t>
+              </a:r>
+            </a:p>
+          </p:txBody>
+        </p:sp>
+        <p:sp>
+          <p:nvSpPr>
+            <p:cNvPr id="6" name="TextBox 5">
+              <a:extLst>
+                <a:ext uri="{FF2B5EF4-FFF2-40B4-BE49-F238E27FC236}">
+                  <a16:creationId xmlns:a16="http://schemas.microsoft.com/office/drawing/2014/main" id="{BF269602-64A1-9CD2-9545-1867CE64BA96}"/>
+                </a:ext>
+              </a:extLst>
+            </p:cNvPr>
+            <p:cNvSpPr txBox="1"/>
+            <p:nvPr/>
+          </p:nvSpPr>
+          <p:spPr>
+            <a:xfrm>
+              <a:off x="599947" y="4196881"/>
+              <a:ext cx="327334" cy="369332"/>
+            </a:xfrm>
+            <a:prstGeom prst="rect">
+              <a:avLst/>
+            </a:prstGeom>
+            <a:noFill/>
+          </p:spPr>
+          <p:txBody>
+            <a:bodyPr wrap="none" rtlCol="0">
+              <a:spAutoFit/>
+            </a:bodyPr>
+            <a:lstStyle/>
+            <a:p>
+              <a:r>
+                <a:rPr lang="en-US" dirty="0">
+                  <a:latin typeface="ADLaM Display" panose="02010000000000000000" pitchFamily="2" charset="0"/>
+                  <a:ea typeface="ADLaM Display" panose="02010000000000000000" pitchFamily="2" charset="0"/>
+                  <a:cs typeface="ADLaM Display" panose="02010000000000000000" pitchFamily="2" charset="0"/>
+                </a:rPr>
+                <a:t>b</a:t>
+              </a:r>
+            </a:p>
+          </p:txBody>
+        </p:sp>
+        <p:grpSp>
+          <p:nvGrpSpPr>
+            <p:cNvPr id="16" name="Group 15">
+              <a:extLst>
+                <a:ext uri="{FF2B5EF4-FFF2-40B4-BE49-F238E27FC236}">
+                  <a16:creationId xmlns:a16="http://schemas.microsoft.com/office/drawing/2014/main" id="{DB01B881-D599-8F0A-212D-619FA00CA67A}"/>
+                </a:ext>
+              </a:extLst>
+            </p:cNvPr>
+            <p:cNvGrpSpPr/>
+            <p:nvPr/>
+          </p:nvGrpSpPr>
+          <p:grpSpPr>
+            <a:xfrm>
+              <a:off x="2386829" y="4739843"/>
+              <a:ext cx="1974522" cy="416752"/>
+              <a:chOff x="2366237" y="4301435"/>
+              <a:chExt cx="1974522" cy="416752"/>
+            </a:xfrm>
+          </p:grpSpPr>
+          <p:sp>
+            <p:nvSpPr>
+              <p:cNvPr id="17" name="Arrow: Left 16">
+                <a:extLst>
+                  <a:ext uri="{FF2B5EF4-FFF2-40B4-BE49-F238E27FC236}">
+                    <a16:creationId xmlns:a16="http://schemas.microsoft.com/office/drawing/2014/main" id="{7A1B33D9-EE1E-2167-DB29-ED66118BAC69}"/>
+                  </a:ext>
+                </a:extLst>
+              </p:cNvPr>
+              <p:cNvSpPr/>
+              <p:nvPr/>
+            </p:nvSpPr>
+            <p:spPr>
+              <a:xfrm>
+                <a:off x="2366237" y="4431059"/>
+                <a:ext cx="1730954" cy="287128"/>
+              </a:xfrm>
+              <a:prstGeom prst="leftArrow">
+                <a:avLst/>
+              </a:prstGeom>
+              <a:solidFill>
+                <a:schemeClr val="accent5">
+                  <a:lumMod val="40000"/>
+                  <a:lumOff val="60000"/>
+                </a:schemeClr>
+              </a:solidFill>
+              <a:ln w="12700"/>
+            </p:spPr>
+            <p:style>
+              <a:lnRef idx="2">
+                <a:schemeClr val="accent1">
+                  <a:shade val="15000"/>
+                </a:schemeClr>
+              </a:lnRef>
+              <a:fillRef idx="1">
+                <a:schemeClr val="accent1"/>
+              </a:fillRef>
+              <a:effectRef idx="0">
+                <a:schemeClr val="accent1"/>
+              </a:effectRef>
+              <a:fontRef idx="minor">
+                <a:schemeClr val="lt1"/>
+              </a:fontRef>
+            </p:style>
+            <p:txBody>
+              <a:bodyPr rtlCol="0" anchor="ctr"/>
+              <a:lstStyle/>
+              <a:p>
+                <a:pPr algn="ctr"/>
+                <a:r>
+                  <a:rPr lang="en-US" sz="900" dirty="0">
+                    <a:solidFill>
+                      <a:schemeClr val="tx1"/>
+                    </a:solidFill>
+                    <a:latin typeface="ADLaM Display" panose="02010000000000000000" pitchFamily="2" charset="0"/>
+                    <a:ea typeface="ADLaM Display" panose="02010000000000000000" pitchFamily="2" charset="0"/>
+                    <a:cs typeface="ADLaM Display" panose="02010000000000000000" pitchFamily="2" charset="0"/>
+                  </a:rPr>
+                  <a:t>Trust</a:t>
+                </a:r>
+                <a:endParaRPr lang="da-DK" sz="900" dirty="0">
+                  <a:solidFill>
+                    <a:schemeClr val="tx1"/>
+                  </a:solidFill>
+                  <a:latin typeface="ADLaM Display" panose="02010000000000000000" pitchFamily="2" charset="0"/>
+                  <a:ea typeface="ADLaM Display" panose="02010000000000000000" pitchFamily="2" charset="0"/>
+                  <a:cs typeface="ADLaM Display" panose="02010000000000000000" pitchFamily="2" charset="0"/>
+                </a:endParaRPr>
+              </a:p>
+            </p:txBody>
+          </p:sp>
+          <p:sp>
+            <p:nvSpPr>
+              <p:cNvPr id="18" name="Arrow: Right 17">
+                <a:extLst>
+                  <a:ext uri="{FF2B5EF4-FFF2-40B4-BE49-F238E27FC236}">
+                    <a16:creationId xmlns:a16="http://schemas.microsoft.com/office/drawing/2014/main" id="{6DAA3CF9-80F8-504A-CA46-0D701145400C}"/>
+                  </a:ext>
+                </a:extLst>
+              </p:cNvPr>
+              <p:cNvSpPr/>
+              <p:nvPr/>
+            </p:nvSpPr>
+            <p:spPr>
+              <a:xfrm>
+                <a:off x="2609805" y="4301435"/>
+                <a:ext cx="1730954" cy="287128"/>
+              </a:xfrm>
+              <a:prstGeom prst="rightArrow">
+                <a:avLst/>
+              </a:prstGeom>
+              <a:solidFill>
+                <a:schemeClr val="accent2">
+                  <a:lumMod val="60000"/>
+                  <a:lumOff val="40000"/>
+                </a:schemeClr>
+              </a:solidFill>
+              <a:ln w="12700"/>
+            </p:spPr>
+            <p:style>
+              <a:lnRef idx="2">
+                <a:schemeClr val="accent1">
+                  <a:shade val="15000"/>
+                </a:schemeClr>
+              </a:lnRef>
+              <a:fillRef idx="1">
+                <a:schemeClr val="accent1"/>
+              </a:fillRef>
+              <a:effectRef idx="0">
+                <a:schemeClr val="accent1"/>
+              </a:effectRef>
+              <a:fontRef idx="minor">
+                <a:schemeClr val="lt1"/>
+              </a:fontRef>
+            </p:style>
+            <p:txBody>
+              <a:bodyPr rtlCol="0" anchor="ctr"/>
+              <a:lstStyle/>
+              <a:p>
+                <a:pPr algn="ctr"/>
+                <a:r>
+                  <a:rPr lang="en-US" sz="900" dirty="0">
+                    <a:solidFill>
+                      <a:schemeClr val="tx1"/>
+                    </a:solidFill>
+                    <a:latin typeface="ADLaM Display" panose="02010000000000000000" pitchFamily="2" charset="0"/>
+                    <a:ea typeface="ADLaM Display" panose="02010000000000000000" pitchFamily="2" charset="0"/>
+                    <a:cs typeface="ADLaM Display" panose="02010000000000000000" pitchFamily="2" charset="0"/>
+                  </a:rPr>
+                  <a:t>Trust</a:t>
+                </a:r>
+                <a:endParaRPr lang="da-DK" sz="900" dirty="0">
+                  <a:solidFill>
+                    <a:schemeClr val="tx1"/>
+                  </a:solidFill>
+                  <a:latin typeface="ADLaM Display" panose="02010000000000000000" pitchFamily="2" charset="0"/>
+                  <a:ea typeface="ADLaM Display" panose="02010000000000000000" pitchFamily="2" charset="0"/>
+                  <a:cs typeface="ADLaM Display" panose="02010000000000000000" pitchFamily="2" charset="0"/>
+                </a:endParaRPr>
+              </a:p>
+            </p:txBody>
+          </p:sp>
+        </p:grpSp>
+        <p:grpSp>
+          <p:nvGrpSpPr>
+            <p:cNvPr id="19" name="Group 18">
+              <a:extLst>
+                <a:ext uri="{FF2B5EF4-FFF2-40B4-BE49-F238E27FC236}">
+                  <a16:creationId xmlns:a16="http://schemas.microsoft.com/office/drawing/2014/main" id="{7B46F0B6-C214-1918-7D05-7CBDBCE964E7}"/>
+                </a:ext>
+              </a:extLst>
+            </p:cNvPr>
+            <p:cNvGrpSpPr/>
+            <p:nvPr/>
+          </p:nvGrpSpPr>
+          <p:grpSpPr>
+            <a:xfrm>
+              <a:off x="2386829" y="5212299"/>
+              <a:ext cx="1974522" cy="416752"/>
+              <a:chOff x="2366237" y="4301435"/>
+              <a:chExt cx="1974522" cy="416752"/>
+            </a:xfrm>
+          </p:grpSpPr>
+          <p:sp>
+            <p:nvSpPr>
+              <p:cNvPr id="20" name="Arrow: Left 19">
+                <a:extLst>
+                  <a:ext uri="{FF2B5EF4-FFF2-40B4-BE49-F238E27FC236}">
+                    <a16:creationId xmlns:a16="http://schemas.microsoft.com/office/drawing/2014/main" id="{C87CDDAF-D683-A428-D7F9-2997D46EA956}"/>
+                  </a:ext>
+                </a:extLst>
+              </p:cNvPr>
+              <p:cNvSpPr/>
+              <p:nvPr/>
+            </p:nvSpPr>
+            <p:spPr>
+              <a:xfrm>
+                <a:off x="2366237" y="4431059"/>
+                <a:ext cx="1730954" cy="287128"/>
+              </a:xfrm>
+              <a:prstGeom prst="leftArrow">
+                <a:avLst/>
+              </a:prstGeom>
+              <a:solidFill>
+                <a:schemeClr val="accent5">
+                  <a:lumMod val="40000"/>
+                  <a:lumOff val="60000"/>
+                </a:schemeClr>
+              </a:solidFill>
+              <a:ln w="12700"/>
+            </p:spPr>
+            <p:style>
+              <a:lnRef idx="2">
+                <a:schemeClr val="accent1">
+                  <a:shade val="15000"/>
+                </a:schemeClr>
+              </a:lnRef>
+              <a:fillRef idx="1">
+                <a:schemeClr val="accent1"/>
+              </a:fillRef>
+              <a:effectRef idx="0">
+                <a:schemeClr val="accent1"/>
+              </a:effectRef>
+              <a:fontRef idx="minor">
+                <a:schemeClr val="lt1"/>
+              </a:fontRef>
+            </p:style>
+            <p:txBody>
+              <a:bodyPr rtlCol="0" anchor="ctr"/>
+              <a:lstStyle/>
+              <a:p>
+                <a:pPr algn="ctr"/>
+                <a:r>
+                  <a:rPr lang="en-US" sz="900" dirty="0">
+                    <a:solidFill>
+                      <a:schemeClr val="tx1"/>
+                    </a:solidFill>
+                    <a:latin typeface="ADLaM Display" panose="02010000000000000000" pitchFamily="2" charset="0"/>
+                    <a:ea typeface="ADLaM Display" panose="02010000000000000000" pitchFamily="2" charset="0"/>
+                    <a:cs typeface="ADLaM Display" panose="02010000000000000000" pitchFamily="2" charset="0"/>
+                  </a:rPr>
+                  <a:t>Learning</a:t>
+                </a:r>
+                <a:endParaRPr lang="da-DK" sz="900" dirty="0">
+                  <a:solidFill>
+                    <a:schemeClr val="tx1"/>
+                  </a:solidFill>
+                  <a:latin typeface="ADLaM Display" panose="02010000000000000000" pitchFamily="2" charset="0"/>
+                  <a:ea typeface="ADLaM Display" panose="02010000000000000000" pitchFamily="2" charset="0"/>
+                  <a:cs typeface="ADLaM Display" panose="02010000000000000000" pitchFamily="2" charset="0"/>
+                </a:endParaRPr>
+              </a:p>
+            </p:txBody>
+          </p:sp>
+          <p:sp>
+            <p:nvSpPr>
+              <p:cNvPr id="21" name="Arrow: Right 20">
+                <a:extLst>
+                  <a:ext uri="{FF2B5EF4-FFF2-40B4-BE49-F238E27FC236}">
+                    <a16:creationId xmlns:a16="http://schemas.microsoft.com/office/drawing/2014/main" id="{AD7301A0-3BF4-0670-DE0F-0626BD53C2B6}"/>
+                  </a:ext>
+                </a:extLst>
+              </p:cNvPr>
+              <p:cNvSpPr/>
+              <p:nvPr/>
+            </p:nvSpPr>
+            <p:spPr>
+              <a:xfrm>
+                <a:off x="2609805" y="4301435"/>
+                <a:ext cx="1730954" cy="287128"/>
+              </a:xfrm>
+              <a:prstGeom prst="rightArrow">
+                <a:avLst/>
+              </a:prstGeom>
+              <a:solidFill>
+                <a:schemeClr val="accent2">
+                  <a:lumMod val="60000"/>
+                  <a:lumOff val="40000"/>
+                </a:schemeClr>
+              </a:solidFill>
+              <a:ln w="12700"/>
+            </p:spPr>
+            <p:style>
+              <a:lnRef idx="2">
+                <a:schemeClr val="accent1">
+                  <a:shade val="15000"/>
+                </a:schemeClr>
+              </a:lnRef>
+              <a:fillRef idx="1">
+                <a:schemeClr val="accent1"/>
+              </a:fillRef>
+              <a:effectRef idx="0">
+                <a:schemeClr val="accent1"/>
+              </a:effectRef>
+              <a:fontRef idx="minor">
+                <a:schemeClr val="lt1"/>
+              </a:fontRef>
+            </p:style>
+            <p:txBody>
+              <a:bodyPr rtlCol="0" anchor="ctr"/>
+              <a:lstStyle/>
+              <a:p>
+                <a:pPr algn="ctr"/>
+                <a:r>
+                  <a:rPr lang="en-US" sz="900" dirty="0">
+                    <a:solidFill>
+                      <a:schemeClr val="tx1"/>
+                    </a:solidFill>
+                    <a:latin typeface="ADLaM Display" panose="02010000000000000000" pitchFamily="2" charset="0"/>
+                    <a:ea typeface="ADLaM Display" panose="02010000000000000000" pitchFamily="2" charset="0"/>
+                    <a:cs typeface="ADLaM Display" panose="02010000000000000000" pitchFamily="2" charset="0"/>
+                  </a:rPr>
+                  <a:t>Learning</a:t>
+                </a:r>
+                <a:endParaRPr lang="da-DK" sz="900" dirty="0">
+                  <a:solidFill>
+                    <a:schemeClr val="tx1"/>
+                  </a:solidFill>
+                  <a:latin typeface="ADLaM Display" panose="02010000000000000000" pitchFamily="2" charset="0"/>
+                  <a:ea typeface="ADLaM Display" panose="02010000000000000000" pitchFamily="2" charset="0"/>
+                  <a:cs typeface="ADLaM Display" panose="02010000000000000000" pitchFamily="2" charset="0"/>
+                </a:endParaRPr>
+              </a:p>
+            </p:txBody>
+          </p:sp>
+        </p:grpSp>
+        <p:grpSp>
+          <p:nvGrpSpPr>
+            <p:cNvPr id="22" name="Group 21">
+              <a:extLst>
+                <a:ext uri="{FF2B5EF4-FFF2-40B4-BE49-F238E27FC236}">
+                  <a16:creationId xmlns:a16="http://schemas.microsoft.com/office/drawing/2014/main" id="{1D1592D9-807A-5A7B-B0BF-E904F933DDF5}"/>
+                </a:ext>
+              </a:extLst>
+            </p:cNvPr>
+            <p:cNvGrpSpPr/>
+            <p:nvPr/>
+          </p:nvGrpSpPr>
+          <p:grpSpPr>
+            <a:xfrm>
+              <a:off x="2386829" y="5684754"/>
+              <a:ext cx="1974522" cy="416752"/>
+              <a:chOff x="2366237" y="4301435"/>
+              <a:chExt cx="1974522" cy="416752"/>
+            </a:xfrm>
+          </p:grpSpPr>
+          <p:sp>
+            <p:nvSpPr>
+              <p:cNvPr id="24" name="Arrow: Left 23">
+                <a:extLst>
+                  <a:ext uri="{FF2B5EF4-FFF2-40B4-BE49-F238E27FC236}">
+                    <a16:creationId xmlns:a16="http://schemas.microsoft.com/office/drawing/2014/main" id="{5D302B59-62A5-F52E-A9DA-1F2EB6D52E91}"/>
+                  </a:ext>
+                </a:extLst>
+              </p:cNvPr>
+              <p:cNvSpPr/>
+              <p:nvPr/>
+            </p:nvSpPr>
+            <p:spPr>
+              <a:xfrm>
+                <a:off x="2366237" y="4431059"/>
+                <a:ext cx="1730954" cy="287128"/>
+              </a:xfrm>
+              <a:prstGeom prst="leftArrow">
+                <a:avLst/>
+              </a:prstGeom>
+              <a:solidFill>
+                <a:schemeClr val="accent5">
+                  <a:lumMod val="40000"/>
+                  <a:lumOff val="60000"/>
+                </a:schemeClr>
+              </a:solidFill>
+              <a:ln w="12700"/>
+            </p:spPr>
+            <p:style>
+              <a:lnRef idx="2">
+                <a:schemeClr val="accent1">
+                  <a:shade val="15000"/>
+                </a:schemeClr>
+              </a:lnRef>
+              <a:fillRef idx="1">
+                <a:schemeClr val="accent1"/>
+              </a:fillRef>
+              <a:effectRef idx="0">
+                <a:schemeClr val="accent1"/>
+              </a:effectRef>
+              <a:fontRef idx="minor">
+                <a:schemeClr val="lt1"/>
+              </a:fontRef>
+            </p:style>
+            <p:txBody>
+              <a:bodyPr rtlCol="0" anchor="ctr"/>
+              <a:lstStyle/>
+              <a:p>
+                <a:pPr algn="ctr"/>
+                <a:r>
+                  <a:rPr lang="en-US" sz="900" dirty="0">
+                    <a:solidFill>
+                      <a:schemeClr val="tx1"/>
+                    </a:solidFill>
+                    <a:latin typeface="ADLaM Display" panose="02010000000000000000" pitchFamily="2" charset="0"/>
+                    <a:ea typeface="ADLaM Display" panose="02010000000000000000" pitchFamily="2" charset="0"/>
+                    <a:cs typeface="ADLaM Display" panose="02010000000000000000" pitchFamily="2" charset="0"/>
+                  </a:rPr>
+                  <a:t>Transformation</a:t>
+                </a:r>
+                <a:endParaRPr lang="da-DK" sz="900" dirty="0">
+                  <a:solidFill>
+                    <a:schemeClr val="tx1"/>
+                  </a:solidFill>
+                  <a:latin typeface="ADLaM Display" panose="02010000000000000000" pitchFamily="2" charset="0"/>
+                  <a:ea typeface="ADLaM Display" panose="02010000000000000000" pitchFamily="2" charset="0"/>
+                  <a:cs typeface="ADLaM Display" panose="02010000000000000000" pitchFamily="2" charset="0"/>
+                </a:endParaRPr>
+              </a:p>
+            </p:txBody>
+          </p:sp>
+          <p:sp>
+            <p:nvSpPr>
+              <p:cNvPr id="26" name="Arrow: Right 25">
+                <a:extLst>
+                  <a:ext uri="{FF2B5EF4-FFF2-40B4-BE49-F238E27FC236}">
+                    <a16:creationId xmlns:a16="http://schemas.microsoft.com/office/drawing/2014/main" id="{DA56B7FF-6C75-DBF7-F094-8095C400A944}"/>
+                  </a:ext>
+                </a:extLst>
+              </p:cNvPr>
+              <p:cNvSpPr/>
+              <p:nvPr/>
+            </p:nvSpPr>
+            <p:spPr>
+              <a:xfrm>
+                <a:off x="2609805" y="4301435"/>
+                <a:ext cx="1730954" cy="287128"/>
+              </a:xfrm>
+              <a:prstGeom prst="rightArrow">
+                <a:avLst/>
+              </a:prstGeom>
+              <a:solidFill>
+                <a:schemeClr val="accent2">
+                  <a:lumMod val="60000"/>
+                  <a:lumOff val="40000"/>
+                </a:schemeClr>
+              </a:solidFill>
+              <a:ln w="12700"/>
+            </p:spPr>
+            <p:style>
+              <a:lnRef idx="2">
+                <a:schemeClr val="accent1">
+                  <a:shade val="15000"/>
+                </a:schemeClr>
+              </a:lnRef>
+              <a:fillRef idx="1">
+                <a:schemeClr val="accent1"/>
+              </a:fillRef>
+              <a:effectRef idx="0">
+                <a:schemeClr val="accent1"/>
+              </a:effectRef>
+              <a:fontRef idx="minor">
+                <a:schemeClr val="lt1"/>
+              </a:fontRef>
+            </p:style>
+            <p:txBody>
+              <a:bodyPr rtlCol="0" anchor="ctr"/>
+              <a:lstStyle/>
+              <a:p>
+                <a:pPr algn="ctr"/>
+                <a:r>
+                  <a:rPr lang="en-US" sz="900" dirty="0">
+                    <a:solidFill>
+                      <a:schemeClr val="tx1"/>
+                    </a:solidFill>
+                    <a:latin typeface="ADLaM Display" panose="02010000000000000000" pitchFamily="2" charset="0"/>
+                    <a:ea typeface="ADLaM Display" panose="02010000000000000000" pitchFamily="2" charset="0"/>
+                    <a:cs typeface="ADLaM Display" panose="02010000000000000000" pitchFamily="2" charset="0"/>
+                  </a:rPr>
+                  <a:t>Transformation</a:t>
+                </a:r>
+                <a:endParaRPr lang="da-DK" sz="900" dirty="0">
+                  <a:solidFill>
+                    <a:schemeClr val="tx1"/>
+                  </a:solidFill>
+                  <a:latin typeface="ADLaM Display" panose="02010000000000000000" pitchFamily="2" charset="0"/>
+                  <a:ea typeface="ADLaM Display" panose="02010000000000000000" pitchFamily="2" charset="0"/>
+                  <a:cs typeface="ADLaM Display" panose="02010000000000000000" pitchFamily="2" charset="0"/>
+                </a:endParaRPr>
+              </a:p>
+            </p:txBody>
+          </p:sp>
+        </p:grpSp>
+      </p:grpSp>
+    </p:spTree>
+    <p:extLst>
+      <p:ext uri="{BB962C8B-B14F-4D97-AF65-F5344CB8AC3E}">
+        <p14:creationId xmlns:p14="http://schemas.microsoft.com/office/powerpoint/2010/main" val="2325162423"/>
+      </p:ext>
+    </p:extLst>
+  </p:cSld>
+  <p:clrMapOvr>
+    <a:masterClrMapping/>
+  </p:clrMapOvr>
+</p:sld>
+</file>
+
+<file path=ppt/slides/slide3.xml><?xml version="1.0" encoding="utf-8"?>
+<p:sld xmlns:a="http://schemas.openxmlformats.org/drawingml/2006/main" xmlns:r="http://schemas.openxmlformats.org/officeDocument/2006/relationships" xmlns:p="http://schemas.openxmlformats.org/presentationml/2006/main">
+  <p:cSld>
+    <p:spTree>
+      <p:nvGrpSpPr>
+        <p:cNvPr id="1" name=""/>
+        <p:cNvGrpSpPr/>
+        <p:nvPr/>
+      </p:nvGrpSpPr>
+      <p:grpSpPr>
+        <a:xfrm>
+          <a:off x="0" y="0"/>
+          <a:ext cx="0" cy="0"/>
+          <a:chOff x="0" y="0"/>
+          <a:chExt cx="0" cy="0"/>
+        </a:xfrm>
+      </p:grpSpPr>
+      <p:grpSp>
+        <p:nvGrpSpPr>
+          <p:cNvPr id="8" name="Group 7">
+            <a:extLst>
+              <a:ext uri="{FF2B5EF4-FFF2-40B4-BE49-F238E27FC236}">
+                <a16:creationId xmlns:a16="http://schemas.microsoft.com/office/drawing/2014/main" id="{C6C631E8-B614-F064-F3ED-AC5657436B9E}"/>
+              </a:ext>
+            </a:extLst>
+          </p:cNvPr>
+          <p:cNvGrpSpPr/>
+          <p:nvPr/>
+        </p:nvGrpSpPr>
+        <p:grpSpPr>
+          <a:xfrm>
+            <a:off x="599947" y="2130540"/>
+            <a:ext cx="5339177" cy="3967633"/>
+            <a:chOff x="599947" y="2130540"/>
+            <a:chExt cx="5339177" cy="3967633"/>
+          </a:xfrm>
+        </p:grpSpPr>
+        <p:pic>
+          <p:nvPicPr>
+            <p:cNvPr id="1026" name="Picture 2" descr="Old Barn And Field Stock Illustration - Download Image Now - Farm,  Agricultural Field, Illustration - iStock">
+              <a:extLst>
+                <a:ext uri="{FF2B5EF4-FFF2-40B4-BE49-F238E27FC236}">
+                  <a16:creationId xmlns:a16="http://schemas.microsoft.com/office/drawing/2014/main" id="{3A468A0F-568C-235A-2488-688F17825C17}"/>
+                </a:ext>
+              </a:extLst>
+            </p:cNvPr>
+            <p:cNvPicPr>
+              <a:picLocks noChangeAspect="1" noChangeArrowheads="1"/>
+            </p:cNvPicPr>
+            <p:nvPr/>
+          </p:nvPicPr>
+          <p:blipFill>
+            <a:blip r:embed="rId2">
+              <a:duotone>
+                <a:schemeClr val="bg2">
+                  <a:shade val="45000"/>
+                  <a:satMod val="135000"/>
+                </a:schemeClr>
+                <a:prstClr val="white"/>
+              </a:duotone>
+              <a:extLst>
+                <a:ext uri="{28A0092B-C50C-407E-A947-70E740481C1C}">
+                  <a14:useLocalDpi xmlns:a14="http://schemas.microsoft.com/office/drawing/2010/main" val="0"/>
+                </a:ext>
+              </a:extLst>
+            </a:blip>
+            <a:srcRect/>
+            <a:stretch>
+              <a:fillRect/>
+            </a:stretch>
+          </p:blipFill>
+          <p:spPr bwMode="auto">
+            <a:xfrm>
+              <a:off x="783116" y="2291894"/>
+              <a:ext cx="2459237" cy="1739950"/>
+            </a:xfrm>
+            <a:prstGeom prst="rect">
+              <a:avLst/>
+            </a:prstGeom>
+            <a:noFill/>
+            <a:extLst>
+              <a:ext uri="{909E8E84-426E-40DD-AFC4-6F175D3DCCD1}">
+                <a14:hiddenFill xmlns:a14="http://schemas.microsoft.com/office/drawing/2010/main">
+                  <a:solidFill>
+                    <a:srgbClr val="FFFFFF"/>
+                  </a:solidFill>
+                </a14:hiddenFill>
+              </a:ext>
+            </a:extLst>
+          </p:spPr>
+        </p:pic>
+        <p:sp>
+          <p:nvSpPr>
+            <p:cNvPr id="4" name="AutoShape 4" descr="Sketch of a university campus on Craiyon">
+              <a:extLst>
+                <a:ext uri="{FF2B5EF4-FFF2-40B4-BE49-F238E27FC236}">
+                  <a16:creationId xmlns:a16="http://schemas.microsoft.com/office/drawing/2014/main" id="{128C6E1A-0A17-4E69-BF7D-15B6D334DE20}"/>
+                </a:ext>
+              </a:extLst>
+            </p:cNvPr>
+            <p:cNvSpPr>
+              <a:spLocks noChangeAspect="1" noChangeArrowheads="1"/>
+            </p:cNvSpPr>
+            <p:nvPr/>
+          </p:nvSpPr>
+          <p:spPr bwMode="auto">
+            <a:xfrm>
+              <a:off x="3404108" y="3180532"/>
+              <a:ext cx="207093" cy="207093"/>
+            </a:xfrm>
+            <a:prstGeom prst="rect">
+              <a:avLst/>
+            </a:prstGeom>
+            <a:noFill/>
+            <a:extLst>
+              <a:ext uri="{909E8E84-426E-40DD-AFC4-6F175D3DCCD1}">
+                <a14:hiddenFill xmlns:a14="http://schemas.microsoft.com/office/drawing/2010/main">
+                  <a:solidFill>
+                    <a:srgbClr val="FFFFFF"/>
+                  </a:solidFill>
+                </a14:hiddenFill>
+              </a:ext>
+            </a:extLst>
+          </p:spPr>
+          <p:txBody>
+            <a:bodyPr vert="horz" wrap="square" lIns="38576" tIns="19289" rIns="38576" bIns="19289" numCol="1" anchor="t" anchorCtr="0" compatLnSpc="1">
+              <a:prstTxWarp prst="textNoShape">
+                <a:avLst/>
+              </a:prstTxWarp>
+            </a:bodyPr>
+            <a:lstStyle/>
+            <a:p>
+              <a:endParaRPr lang="da-DK" sz="760"/>
+            </a:p>
+          </p:txBody>
+        </p:sp>
+        <p:pic>
+          <p:nvPicPr>
+            <p:cNvPr id="7" name="Picture 6">
+              <a:extLst>
+                <a:ext uri="{FF2B5EF4-FFF2-40B4-BE49-F238E27FC236}">
+                  <a16:creationId xmlns:a16="http://schemas.microsoft.com/office/drawing/2014/main" id="{79BF3BDE-3DE6-E0D0-70C7-DC90CE04F147}"/>
+                </a:ext>
+              </a:extLst>
+            </p:cNvPr>
+            <p:cNvPicPr>
+              <a:picLocks noChangeAspect="1"/>
+            </p:cNvPicPr>
+            <p:nvPr/>
+          </p:nvPicPr>
+          <p:blipFill>
+            <a:blip r:embed="rId3">
+              <a:duotone>
+                <a:schemeClr val="bg2">
+                  <a:shade val="45000"/>
+                  <a:satMod val="135000"/>
+                </a:schemeClr>
+                <a:prstClr val="white"/>
+              </a:duotone>
+            </a:blip>
+            <a:stretch>
+              <a:fillRect/>
+            </a:stretch>
+          </p:blipFill>
+          <p:spPr>
+            <a:xfrm>
+              <a:off x="3463741" y="2297742"/>
+              <a:ext cx="2283816" cy="1734102"/>
+            </a:xfrm>
+            <a:prstGeom prst="rect">
+              <a:avLst/>
+            </a:prstGeom>
+          </p:spPr>
+        </p:pic>
+        <p:pic>
+          <p:nvPicPr>
+            <p:cNvPr id="23" name="Picture 2" descr="Old Barn And Field Stock Illustration - Download Image Now - Farm,  Agricultural Field, Illustration - iStock">
+              <a:extLst>
+                <a:ext uri="{FF2B5EF4-FFF2-40B4-BE49-F238E27FC236}">
+                  <a16:creationId xmlns:a16="http://schemas.microsoft.com/office/drawing/2014/main" id="{4A95F63A-0E48-4353-C3EC-8DF2076C3A5D}"/>
+                </a:ext>
+              </a:extLst>
+            </p:cNvPr>
+            <p:cNvPicPr>
+              <a:picLocks noChangeAspect="1" noChangeArrowheads="1"/>
+            </p:cNvPicPr>
+            <p:nvPr/>
+          </p:nvPicPr>
+          <p:blipFill>
+            <a:blip r:embed="rId2">
+              <a:duotone>
+                <a:schemeClr val="accent2">
+                  <a:shade val="45000"/>
+                  <a:satMod val="135000"/>
+                </a:schemeClr>
+                <a:prstClr val="white"/>
+              </a:duotone>
+              <a:extLst>
+                <a:ext uri="{28A0092B-C50C-407E-A947-70E740481C1C}">
+                  <a14:useLocalDpi xmlns:a14="http://schemas.microsoft.com/office/drawing/2010/main" val="0"/>
+                </a:ext>
+              </a:extLst>
+            </a:blip>
+            <a:srcRect/>
+            <a:stretch>
+              <a:fillRect/>
+            </a:stretch>
+          </p:blipFill>
+          <p:spPr bwMode="auto">
+            <a:xfrm>
+              <a:off x="764974" y="4243637"/>
+              <a:ext cx="2459237" cy="1739950"/>
+            </a:xfrm>
+            <a:prstGeom prst="rect">
+              <a:avLst/>
+            </a:prstGeom>
+            <a:noFill/>
+            <a:extLst>
+              <a:ext uri="{909E8E84-426E-40DD-AFC4-6F175D3DCCD1}">
+                <a14:hiddenFill xmlns:a14="http://schemas.microsoft.com/office/drawing/2010/main">
+                  <a:solidFill>
+                    <a:srgbClr val="FFFFFF"/>
+                  </a:solidFill>
+                </a14:hiddenFill>
+              </a:ext>
+            </a:extLst>
+          </p:spPr>
+        </p:pic>
+        <p:pic>
+          <p:nvPicPr>
+            <p:cNvPr id="25" name="Picture 24">
+              <a:extLst>
+                <a:ext uri="{FF2B5EF4-FFF2-40B4-BE49-F238E27FC236}">
+                  <a16:creationId xmlns:a16="http://schemas.microsoft.com/office/drawing/2014/main" id="{C0549345-0DA6-27D3-F677-27ABFB4F01CB}"/>
+                </a:ext>
+              </a:extLst>
+            </p:cNvPr>
+            <p:cNvPicPr>
+              <a:picLocks noChangeAspect="1"/>
+            </p:cNvPicPr>
+            <p:nvPr/>
+          </p:nvPicPr>
+          <p:blipFill>
+            <a:blip r:embed="rId3">
+              <a:duotone>
+                <a:schemeClr val="accent5">
+                  <a:shade val="45000"/>
+                  <a:satMod val="135000"/>
+                </a:schemeClr>
+                <a:prstClr val="white"/>
+              </a:duotone>
+            </a:blip>
+            <a:stretch>
+              <a:fillRect/>
+            </a:stretch>
+          </p:blipFill>
+          <p:spPr>
+            <a:xfrm>
+              <a:off x="3467778" y="4243637"/>
+              <a:ext cx="2271859" cy="1725022"/>
+            </a:xfrm>
+            <a:prstGeom prst="rect">
+              <a:avLst/>
+            </a:prstGeom>
+          </p:spPr>
+        </p:pic>
+        <p:sp>
+          <p:nvSpPr>
+            <p:cNvPr id="50" name="Arrow: Left 49">
+              <a:extLst>
+                <a:ext uri="{FF2B5EF4-FFF2-40B4-BE49-F238E27FC236}">
+                  <a16:creationId xmlns:a16="http://schemas.microsoft.com/office/drawing/2014/main" id="{1B996779-B7CD-C91F-F4BE-A2D04DF89F63}"/>
+                </a:ext>
+              </a:extLst>
+            </p:cNvPr>
+            <p:cNvSpPr/>
+            <p:nvPr/>
+          </p:nvSpPr>
+          <p:spPr>
+            <a:xfrm>
+              <a:off x="2118360" y="3052595"/>
+              <a:ext cx="2072548" cy="272342"/>
+            </a:xfrm>
+            <a:prstGeom prst="leftArrow">
+              <a:avLst/>
+            </a:prstGeom>
+            <a:solidFill>
+              <a:schemeClr val="tx1"/>
+            </a:solidFill>
+          </p:spPr>
+          <p:style>
+            <a:lnRef idx="2">
+              <a:schemeClr val="accent1">
+                <a:shade val="15000"/>
+              </a:schemeClr>
+            </a:lnRef>
+            <a:fillRef idx="1">
+              <a:schemeClr val="accent1"/>
+            </a:fillRef>
+            <a:effectRef idx="0">
+              <a:schemeClr val="accent1"/>
+            </a:effectRef>
+            <a:fontRef idx="minor">
+              <a:schemeClr val="lt1"/>
+            </a:fontRef>
+          </p:style>
+          <p:txBody>
+            <a:bodyPr rtlCol="0" anchor="ctr"/>
+            <a:lstStyle/>
+            <a:p>
+              <a:pPr algn="ctr"/>
+              <a:r>
+                <a:rPr lang="en-US" sz="1000" dirty="0">
+                  <a:latin typeface="ADLaM Display" panose="02010000000000000000" pitchFamily="2" charset="0"/>
+                  <a:ea typeface="ADLaM Display" panose="02010000000000000000" pitchFamily="2" charset="0"/>
+                  <a:cs typeface="ADLaM Display" panose="02010000000000000000" pitchFamily="2" charset="0"/>
+                </a:rPr>
+                <a:t>Time, resources, ‘knowledge’</a:t>
+              </a:r>
+              <a:endParaRPr lang="da-DK" sz="1000" dirty="0">
+                <a:latin typeface="ADLaM Display" panose="02010000000000000000" pitchFamily="2" charset="0"/>
+                <a:ea typeface="ADLaM Display" panose="02010000000000000000" pitchFamily="2" charset="0"/>
+                <a:cs typeface="ADLaM Display" panose="02010000000000000000" pitchFamily="2" charset="0"/>
+              </a:endParaRPr>
+            </a:p>
+          </p:txBody>
+        </p:sp>
+        <p:sp>
+          <p:nvSpPr>
+            <p:cNvPr id="48" name="Arrow: Right 47">
+              <a:extLst>
+                <a:ext uri="{FF2B5EF4-FFF2-40B4-BE49-F238E27FC236}">
+                  <a16:creationId xmlns:a16="http://schemas.microsoft.com/office/drawing/2014/main" id="{ACC716CE-9B72-8B7D-82B6-23014634E0C8}"/>
+                </a:ext>
+              </a:extLst>
+            </p:cNvPr>
+            <p:cNvSpPr/>
+            <p:nvPr/>
+          </p:nvSpPr>
+          <p:spPr>
+            <a:xfrm>
+              <a:off x="2394688" y="2757595"/>
+              <a:ext cx="2214177" cy="503278"/>
+            </a:xfrm>
+            <a:prstGeom prst="rightArrow">
+              <a:avLst/>
+            </a:prstGeom>
+            <a:solidFill>
+              <a:schemeClr val="bg2"/>
+            </a:solidFill>
+          </p:spPr>
+          <p:style>
+            <a:lnRef idx="2">
+              <a:schemeClr val="accent1">
+                <a:shade val="15000"/>
+              </a:schemeClr>
+            </a:lnRef>
+            <a:fillRef idx="1">
+              <a:schemeClr val="accent1"/>
+            </a:fillRef>
+            <a:effectRef idx="0">
+              <a:schemeClr val="accent1"/>
+            </a:effectRef>
+            <a:fontRef idx="minor">
+              <a:schemeClr val="lt1"/>
+            </a:fontRef>
+          </p:style>
+          <p:txBody>
+            <a:bodyPr rtlCol="0" anchor="ctr"/>
+            <a:lstStyle/>
+            <a:p>
+              <a:pPr algn="ctr"/>
+              <a:r>
+                <a:rPr lang="en-US" sz="1100" dirty="0">
+                  <a:solidFill>
+                    <a:schemeClr val="tx1"/>
+                  </a:solidFill>
+                  <a:latin typeface="ADLaM Display" panose="020F0502020204030204" pitchFamily="2" charset="0"/>
+                  <a:ea typeface="ADLaM Display" panose="020F0502020204030204" pitchFamily="2" charset="0"/>
+                  <a:cs typeface="ADLaM Display" panose="020F0502020204030204" pitchFamily="2" charset="0"/>
+                </a:rPr>
+                <a:t>Time, resources, land</a:t>
+              </a:r>
+              <a:endParaRPr lang="da-DK" sz="1100" dirty="0">
+                <a:solidFill>
+                  <a:schemeClr val="tx1"/>
+                </a:solidFill>
+                <a:latin typeface="ADLaM Display" panose="020F0502020204030204" pitchFamily="2" charset="0"/>
+                <a:ea typeface="ADLaM Display" panose="020F0502020204030204" pitchFamily="2" charset="0"/>
+                <a:cs typeface="ADLaM Display" panose="020F0502020204030204" pitchFamily="2" charset="0"/>
+              </a:endParaRPr>
+            </a:p>
+          </p:txBody>
+        </p:sp>
+        <p:sp>
+          <p:nvSpPr>
+            <p:cNvPr id="52" name="Arrow: Left 51">
+              <a:extLst>
+                <a:ext uri="{FF2B5EF4-FFF2-40B4-BE49-F238E27FC236}">
+                  <a16:creationId xmlns:a16="http://schemas.microsoft.com/office/drawing/2014/main" id="{6F151098-9E45-A709-8698-B22B16217AC3}"/>
+                </a:ext>
+              </a:extLst>
+            </p:cNvPr>
+            <p:cNvSpPr/>
+            <p:nvPr/>
+          </p:nvSpPr>
+          <p:spPr>
+            <a:xfrm>
+              <a:off x="2386829" y="4346212"/>
+              <a:ext cx="1730954" cy="287128"/>
+            </a:xfrm>
+            <a:prstGeom prst="leftArrow">
+              <a:avLst/>
+            </a:prstGeom>
+            <a:solidFill>
+              <a:schemeClr val="accent5">
+                <a:lumMod val="40000"/>
+                <a:lumOff val="60000"/>
+              </a:schemeClr>
+            </a:solidFill>
+            <a:ln w="12700"/>
+          </p:spPr>
+          <p:style>
+            <a:lnRef idx="2">
+              <a:schemeClr val="accent1">
+                <a:shade val="15000"/>
+              </a:schemeClr>
+            </a:lnRef>
+            <a:fillRef idx="1">
+              <a:schemeClr val="accent1"/>
+            </a:fillRef>
+            <a:effectRef idx="0">
+              <a:schemeClr val="accent1"/>
+            </a:effectRef>
+            <a:fontRef idx="minor">
+              <a:schemeClr val="lt1"/>
+            </a:fontRef>
+          </p:style>
+          <p:txBody>
+            <a:bodyPr rtlCol="0" anchor="ctr"/>
+            <a:lstStyle/>
+            <a:p>
+              <a:pPr algn="ctr"/>
+              <a:r>
+                <a:rPr lang="en-US" sz="900" dirty="0">
+                  <a:solidFill>
+                    <a:schemeClr val="tx1"/>
+                  </a:solidFill>
+                  <a:latin typeface="ADLaM Display" panose="02010000000000000000" pitchFamily="2" charset="0"/>
+                  <a:ea typeface="ADLaM Display" panose="02010000000000000000" pitchFamily="2" charset="0"/>
+                  <a:cs typeface="ADLaM Display" panose="02010000000000000000" pitchFamily="2" charset="0"/>
+                </a:rPr>
+                <a:t>Time, resources, money</a:t>
+              </a:r>
+              <a:endParaRPr lang="da-DK" sz="900" dirty="0">
+                <a:solidFill>
+                  <a:schemeClr val="tx1"/>
+                </a:solidFill>
+                <a:latin typeface="ADLaM Display" panose="02010000000000000000" pitchFamily="2" charset="0"/>
+                <a:ea typeface="ADLaM Display" panose="02010000000000000000" pitchFamily="2" charset="0"/>
+                <a:cs typeface="ADLaM Display" panose="02010000000000000000" pitchFamily="2" charset="0"/>
+              </a:endParaRPr>
+            </a:p>
+          </p:txBody>
+        </p:sp>
+        <p:sp>
+          <p:nvSpPr>
+            <p:cNvPr id="51" name="Arrow: Right 50">
+              <a:extLst>
+                <a:ext uri="{FF2B5EF4-FFF2-40B4-BE49-F238E27FC236}">
+                  <a16:creationId xmlns:a16="http://schemas.microsoft.com/office/drawing/2014/main" id="{33D3E38F-F56E-5123-E0E8-B5FA8B57E4F1}"/>
+                </a:ext>
+              </a:extLst>
+            </p:cNvPr>
+            <p:cNvSpPr/>
+            <p:nvPr/>
+          </p:nvSpPr>
+          <p:spPr>
+            <a:xfrm>
+              <a:off x="2630397" y="4216588"/>
+              <a:ext cx="1730954" cy="287128"/>
+            </a:xfrm>
+            <a:prstGeom prst="rightArrow">
+              <a:avLst/>
+            </a:prstGeom>
+            <a:solidFill>
+              <a:schemeClr val="accent2">
+                <a:lumMod val="60000"/>
+                <a:lumOff val="40000"/>
+              </a:schemeClr>
+            </a:solidFill>
+            <a:ln w="12700"/>
+          </p:spPr>
+          <p:style>
+            <a:lnRef idx="2">
+              <a:schemeClr val="accent1">
+                <a:shade val="15000"/>
+              </a:schemeClr>
+            </a:lnRef>
+            <a:fillRef idx="1">
+              <a:schemeClr val="accent1"/>
+            </a:fillRef>
+            <a:effectRef idx="0">
+              <a:schemeClr val="accent1"/>
+            </a:effectRef>
+            <a:fontRef idx="minor">
+              <a:schemeClr val="lt1"/>
+            </a:fontRef>
+          </p:style>
+          <p:txBody>
+            <a:bodyPr rtlCol="0" anchor="ctr"/>
+            <a:lstStyle/>
+            <a:p>
+              <a:pPr algn="ctr"/>
+              <a:r>
+                <a:rPr lang="en-US" sz="900" dirty="0">
+                  <a:solidFill>
+                    <a:schemeClr val="tx1"/>
+                  </a:solidFill>
+                  <a:latin typeface="ADLaM Display" panose="02010000000000000000" pitchFamily="2" charset="0"/>
+                  <a:ea typeface="ADLaM Display" panose="02010000000000000000" pitchFamily="2" charset="0"/>
+                  <a:cs typeface="ADLaM Display" panose="02010000000000000000" pitchFamily="2" charset="0"/>
+                </a:rPr>
+                <a:t>Time, resources, land</a:t>
+              </a:r>
+              <a:endParaRPr lang="da-DK" sz="900" dirty="0">
+                <a:solidFill>
+                  <a:schemeClr val="tx1"/>
+                </a:solidFill>
+                <a:latin typeface="ADLaM Display" panose="02010000000000000000" pitchFamily="2" charset="0"/>
+                <a:ea typeface="ADLaM Display" panose="02010000000000000000" pitchFamily="2" charset="0"/>
+                <a:cs typeface="ADLaM Display" panose="02010000000000000000" pitchFamily="2" charset="0"/>
+              </a:endParaRPr>
+            </a:p>
+          </p:txBody>
+        </p:sp>
+        <p:sp>
+          <p:nvSpPr>
+            <p:cNvPr id="2" name="Rectangle 1">
+              <a:extLst>
+                <a:ext uri="{FF2B5EF4-FFF2-40B4-BE49-F238E27FC236}">
+                  <a16:creationId xmlns:a16="http://schemas.microsoft.com/office/drawing/2014/main" id="{55AD1299-0049-6754-181E-4FC69980B9CD}"/>
+                </a:ext>
+              </a:extLst>
+            </p:cNvPr>
+            <p:cNvSpPr/>
+            <p:nvPr/>
+          </p:nvSpPr>
+          <p:spPr>
+            <a:xfrm>
+              <a:off x="611490" y="2146992"/>
+              <a:ext cx="5327634" cy="1976534"/>
+            </a:xfrm>
+            <a:prstGeom prst="rect">
+              <a:avLst/>
+            </a:prstGeom>
+            <a:noFill/>
+            <a:ln>
+              <a:solidFill>
+                <a:schemeClr val="tx1"/>
+              </a:solidFill>
+            </a:ln>
+          </p:spPr>
+          <p:style>
+            <a:lnRef idx="2">
+              <a:schemeClr val="accent1">
+                <a:shade val="15000"/>
+              </a:schemeClr>
+            </a:lnRef>
+            <a:fillRef idx="1">
+              <a:schemeClr val="accent1"/>
+            </a:fillRef>
+            <a:effectRef idx="0">
+              <a:schemeClr val="accent1"/>
+            </a:effectRef>
+            <a:fontRef idx="minor">
+              <a:schemeClr val="lt1"/>
+            </a:fontRef>
+          </p:style>
+          <p:txBody>
+            <a:bodyPr rtlCol="0" anchor="ctr"/>
+            <a:lstStyle/>
+            <a:p>
+              <a:pPr algn="ctr"/>
+              <a:endParaRPr lang="en-US"/>
+            </a:p>
+          </p:txBody>
+        </p:sp>
+        <p:sp>
+          <p:nvSpPr>
+            <p:cNvPr id="3" name="Rectangle 2">
+              <a:extLst>
+                <a:ext uri="{FF2B5EF4-FFF2-40B4-BE49-F238E27FC236}">
+                  <a16:creationId xmlns:a16="http://schemas.microsoft.com/office/drawing/2014/main" id="{96ED89A2-A1DC-E4C1-3712-9BED38B78D32}"/>
+                </a:ext>
+              </a:extLst>
+            </p:cNvPr>
+            <p:cNvSpPr/>
+            <p:nvPr/>
+          </p:nvSpPr>
+          <p:spPr>
+            <a:xfrm>
+              <a:off x="607471" y="4121639"/>
+              <a:ext cx="5327634" cy="1976534"/>
+            </a:xfrm>
+            <a:prstGeom prst="rect">
+              <a:avLst/>
+            </a:prstGeom>
+            <a:noFill/>
+            <a:ln>
+              <a:solidFill>
+                <a:schemeClr val="tx1"/>
+              </a:solidFill>
+            </a:ln>
+          </p:spPr>
+          <p:style>
+            <a:lnRef idx="2">
+              <a:schemeClr val="accent1">
+                <a:shade val="15000"/>
+              </a:schemeClr>
+            </a:lnRef>
+            <a:fillRef idx="1">
+              <a:schemeClr val="accent1"/>
+            </a:fillRef>
+            <a:effectRef idx="0">
+              <a:schemeClr val="accent1"/>
+            </a:effectRef>
+            <a:fontRef idx="minor">
+              <a:schemeClr val="lt1"/>
+            </a:fontRef>
+          </p:style>
+          <p:txBody>
+            <a:bodyPr rtlCol="0" anchor="ctr"/>
+            <a:lstStyle/>
+            <a:p>
+              <a:pPr algn="ctr"/>
+              <a:endParaRPr lang="en-US"/>
+            </a:p>
+          </p:txBody>
+        </p:sp>
+        <p:sp>
+          <p:nvSpPr>
+            <p:cNvPr id="5" name="TextBox 4">
+              <a:extLst>
+                <a:ext uri="{FF2B5EF4-FFF2-40B4-BE49-F238E27FC236}">
+                  <a16:creationId xmlns:a16="http://schemas.microsoft.com/office/drawing/2014/main" id="{88B80E13-CB89-F666-B833-8A14C9A30530}"/>
+                </a:ext>
+              </a:extLst>
+            </p:cNvPr>
+            <p:cNvSpPr txBox="1"/>
+            <p:nvPr/>
+          </p:nvSpPr>
+          <p:spPr>
+            <a:xfrm>
+              <a:off x="611490" y="2130540"/>
+              <a:ext cx="314510" cy="369332"/>
+            </a:xfrm>
+            <a:prstGeom prst="rect">
+              <a:avLst/>
+            </a:prstGeom>
+            <a:noFill/>
+          </p:spPr>
+          <p:txBody>
+            <a:bodyPr wrap="none" rtlCol="0">
+              <a:spAutoFit/>
+            </a:bodyPr>
+            <a:lstStyle/>
+            <a:p>
+              <a:r>
+                <a:rPr lang="en-US" dirty="0">
+                  <a:latin typeface="ADLaM Display" panose="02010000000000000000" pitchFamily="2" charset="0"/>
+                  <a:ea typeface="ADLaM Display" panose="02010000000000000000" pitchFamily="2" charset="0"/>
+                  <a:cs typeface="ADLaM Display" panose="02010000000000000000" pitchFamily="2" charset="0"/>
+                </a:rPr>
+                <a:t>a</a:t>
+              </a:r>
+            </a:p>
+          </p:txBody>
+        </p:sp>
+        <p:sp>
+          <p:nvSpPr>
+            <p:cNvPr id="6" name="TextBox 5">
+              <a:extLst>
+                <a:ext uri="{FF2B5EF4-FFF2-40B4-BE49-F238E27FC236}">
+                  <a16:creationId xmlns:a16="http://schemas.microsoft.com/office/drawing/2014/main" id="{BF269602-64A1-9CD2-9545-1867CE64BA96}"/>
+                </a:ext>
+              </a:extLst>
+            </p:cNvPr>
+            <p:cNvSpPr txBox="1"/>
+            <p:nvPr/>
+          </p:nvSpPr>
+          <p:spPr>
+            <a:xfrm>
+              <a:off x="599947" y="4146082"/>
+              <a:ext cx="327334" cy="369332"/>
+            </a:xfrm>
+            <a:prstGeom prst="rect">
+              <a:avLst/>
+            </a:prstGeom>
+            <a:noFill/>
+          </p:spPr>
+          <p:txBody>
+            <a:bodyPr wrap="none" rtlCol="0">
+              <a:spAutoFit/>
+            </a:bodyPr>
+            <a:lstStyle/>
+            <a:p>
+              <a:r>
+                <a:rPr lang="en-US" dirty="0">
+                  <a:latin typeface="ADLaM Display" panose="02010000000000000000" pitchFamily="2" charset="0"/>
+                  <a:ea typeface="ADLaM Display" panose="02010000000000000000" pitchFamily="2" charset="0"/>
+                  <a:cs typeface="ADLaM Display" panose="02010000000000000000" pitchFamily="2" charset="0"/>
+                </a:rPr>
+                <a:t>b</a:t>
+              </a:r>
+            </a:p>
+          </p:txBody>
+        </p:sp>
+        <p:grpSp>
+          <p:nvGrpSpPr>
+            <p:cNvPr id="16" name="Group 15">
+              <a:extLst>
+                <a:ext uri="{FF2B5EF4-FFF2-40B4-BE49-F238E27FC236}">
+                  <a16:creationId xmlns:a16="http://schemas.microsoft.com/office/drawing/2014/main" id="{DB01B881-D599-8F0A-212D-619FA00CA67A}"/>
+                </a:ext>
+              </a:extLst>
+            </p:cNvPr>
+            <p:cNvGrpSpPr/>
+            <p:nvPr/>
+          </p:nvGrpSpPr>
+          <p:grpSpPr>
+            <a:xfrm>
+              <a:off x="2386829" y="4689044"/>
+              <a:ext cx="1974522" cy="416752"/>
+              <a:chOff x="2366237" y="4301435"/>
+              <a:chExt cx="1974522" cy="416752"/>
+            </a:xfrm>
+          </p:grpSpPr>
+          <p:sp>
+            <p:nvSpPr>
+              <p:cNvPr id="17" name="Arrow: Left 16">
+                <a:extLst>
+                  <a:ext uri="{FF2B5EF4-FFF2-40B4-BE49-F238E27FC236}">
+                    <a16:creationId xmlns:a16="http://schemas.microsoft.com/office/drawing/2014/main" id="{7A1B33D9-EE1E-2167-DB29-ED66118BAC69}"/>
+                  </a:ext>
+                </a:extLst>
+              </p:cNvPr>
+              <p:cNvSpPr/>
+              <p:nvPr/>
+            </p:nvSpPr>
+            <p:spPr>
+              <a:xfrm>
+                <a:off x="2366237" y="4431059"/>
+                <a:ext cx="1730954" cy="287128"/>
+              </a:xfrm>
+              <a:prstGeom prst="leftArrow">
+                <a:avLst/>
+              </a:prstGeom>
+              <a:solidFill>
+                <a:schemeClr val="accent5">
+                  <a:lumMod val="40000"/>
+                  <a:lumOff val="60000"/>
+                </a:schemeClr>
+              </a:solidFill>
+              <a:ln w="12700"/>
+            </p:spPr>
+            <p:style>
+              <a:lnRef idx="2">
+                <a:schemeClr val="accent1">
+                  <a:shade val="15000"/>
+                </a:schemeClr>
+              </a:lnRef>
+              <a:fillRef idx="1">
+                <a:schemeClr val="accent1"/>
+              </a:fillRef>
+              <a:effectRef idx="0">
+                <a:schemeClr val="accent1"/>
+              </a:effectRef>
+              <a:fontRef idx="minor">
+                <a:schemeClr val="lt1"/>
+              </a:fontRef>
+            </p:style>
+            <p:txBody>
+              <a:bodyPr rtlCol="0" anchor="ctr"/>
+              <a:lstStyle/>
+              <a:p>
+                <a:pPr algn="ctr"/>
+                <a:r>
+                  <a:rPr lang="en-US" sz="900" dirty="0">
+                    <a:solidFill>
+                      <a:schemeClr val="tx1"/>
+                    </a:solidFill>
+                    <a:latin typeface="ADLaM Display" panose="02010000000000000000" pitchFamily="2" charset="0"/>
+                    <a:ea typeface="ADLaM Display" panose="02010000000000000000" pitchFamily="2" charset="0"/>
+                    <a:cs typeface="ADLaM Display" panose="02010000000000000000" pitchFamily="2" charset="0"/>
+                  </a:rPr>
+                  <a:t>Trust</a:t>
+                </a:r>
+                <a:endParaRPr lang="da-DK" sz="900" dirty="0">
+                  <a:solidFill>
+                    <a:schemeClr val="tx1"/>
+                  </a:solidFill>
+                  <a:latin typeface="ADLaM Display" panose="02010000000000000000" pitchFamily="2" charset="0"/>
+                  <a:ea typeface="ADLaM Display" panose="02010000000000000000" pitchFamily="2" charset="0"/>
+                  <a:cs typeface="ADLaM Display" panose="02010000000000000000" pitchFamily="2" charset="0"/>
+                </a:endParaRPr>
+              </a:p>
+            </p:txBody>
+          </p:sp>
+          <p:sp>
+            <p:nvSpPr>
+              <p:cNvPr id="18" name="Arrow: Right 17">
+                <a:extLst>
+                  <a:ext uri="{FF2B5EF4-FFF2-40B4-BE49-F238E27FC236}">
+                    <a16:creationId xmlns:a16="http://schemas.microsoft.com/office/drawing/2014/main" id="{6DAA3CF9-80F8-504A-CA46-0D701145400C}"/>
+                  </a:ext>
+                </a:extLst>
+              </p:cNvPr>
+              <p:cNvSpPr/>
+              <p:nvPr/>
+            </p:nvSpPr>
+            <p:spPr>
+              <a:xfrm>
+                <a:off x="2609805" y="4301435"/>
+                <a:ext cx="1730954" cy="287128"/>
+              </a:xfrm>
+              <a:prstGeom prst="rightArrow">
+                <a:avLst/>
+              </a:prstGeom>
+              <a:solidFill>
+                <a:schemeClr val="accent2">
+                  <a:lumMod val="60000"/>
+                  <a:lumOff val="40000"/>
+                </a:schemeClr>
+              </a:solidFill>
+              <a:ln w="12700"/>
+            </p:spPr>
+            <p:style>
+              <a:lnRef idx="2">
+                <a:schemeClr val="accent1">
+                  <a:shade val="15000"/>
+                </a:schemeClr>
+              </a:lnRef>
+              <a:fillRef idx="1">
+                <a:schemeClr val="accent1"/>
+              </a:fillRef>
+              <a:effectRef idx="0">
+                <a:schemeClr val="accent1"/>
+              </a:effectRef>
+              <a:fontRef idx="minor">
+                <a:schemeClr val="lt1"/>
+              </a:fontRef>
+            </p:style>
+            <p:txBody>
+              <a:bodyPr rtlCol="0" anchor="ctr"/>
+              <a:lstStyle/>
+              <a:p>
+                <a:pPr algn="ctr"/>
+                <a:r>
+                  <a:rPr lang="en-US" sz="900" dirty="0">
+                    <a:solidFill>
+                      <a:schemeClr val="tx1"/>
+                    </a:solidFill>
+                    <a:latin typeface="ADLaM Display" panose="02010000000000000000" pitchFamily="2" charset="0"/>
+                    <a:ea typeface="ADLaM Display" panose="02010000000000000000" pitchFamily="2" charset="0"/>
+                    <a:cs typeface="ADLaM Display" panose="02010000000000000000" pitchFamily="2" charset="0"/>
+                  </a:rPr>
+                  <a:t>Trust</a:t>
+                </a:r>
+                <a:endParaRPr lang="da-DK" sz="900" dirty="0">
+                  <a:solidFill>
+                    <a:schemeClr val="tx1"/>
+                  </a:solidFill>
+                  <a:latin typeface="ADLaM Display" panose="02010000000000000000" pitchFamily="2" charset="0"/>
+                  <a:ea typeface="ADLaM Display" panose="02010000000000000000" pitchFamily="2" charset="0"/>
+                  <a:cs typeface="ADLaM Display" panose="02010000000000000000" pitchFamily="2" charset="0"/>
+                </a:endParaRPr>
+              </a:p>
+            </p:txBody>
+          </p:sp>
+        </p:grpSp>
+        <p:grpSp>
+          <p:nvGrpSpPr>
+            <p:cNvPr id="19" name="Group 18">
+              <a:extLst>
+                <a:ext uri="{FF2B5EF4-FFF2-40B4-BE49-F238E27FC236}">
+                  <a16:creationId xmlns:a16="http://schemas.microsoft.com/office/drawing/2014/main" id="{7B46F0B6-C214-1918-7D05-7CBDBCE964E7}"/>
+                </a:ext>
+              </a:extLst>
+            </p:cNvPr>
+            <p:cNvGrpSpPr/>
+            <p:nvPr/>
+          </p:nvGrpSpPr>
+          <p:grpSpPr>
+            <a:xfrm>
+              <a:off x="2386829" y="5161500"/>
+              <a:ext cx="1974522" cy="416752"/>
+              <a:chOff x="2366237" y="4301435"/>
+              <a:chExt cx="1974522" cy="416752"/>
+            </a:xfrm>
+          </p:grpSpPr>
+          <p:sp>
+            <p:nvSpPr>
+              <p:cNvPr id="20" name="Arrow: Left 19">
+                <a:extLst>
+                  <a:ext uri="{FF2B5EF4-FFF2-40B4-BE49-F238E27FC236}">
+                    <a16:creationId xmlns:a16="http://schemas.microsoft.com/office/drawing/2014/main" id="{C87CDDAF-D683-A428-D7F9-2997D46EA956}"/>
+                  </a:ext>
+                </a:extLst>
+              </p:cNvPr>
+              <p:cNvSpPr/>
+              <p:nvPr/>
+            </p:nvSpPr>
+            <p:spPr>
+              <a:xfrm>
+                <a:off x="2366237" y="4431059"/>
+                <a:ext cx="1730954" cy="287128"/>
+              </a:xfrm>
+              <a:prstGeom prst="leftArrow">
+                <a:avLst/>
+              </a:prstGeom>
+              <a:solidFill>
+                <a:schemeClr val="accent5">
+                  <a:lumMod val="40000"/>
+                  <a:lumOff val="60000"/>
+                </a:schemeClr>
+              </a:solidFill>
+              <a:ln w="12700"/>
+            </p:spPr>
+            <p:style>
+              <a:lnRef idx="2">
+                <a:schemeClr val="accent1">
+                  <a:shade val="15000"/>
+                </a:schemeClr>
+              </a:lnRef>
+              <a:fillRef idx="1">
+                <a:schemeClr val="accent1"/>
+              </a:fillRef>
+              <a:effectRef idx="0">
+                <a:schemeClr val="accent1"/>
+              </a:effectRef>
+              <a:fontRef idx="minor">
+                <a:schemeClr val="lt1"/>
+              </a:fontRef>
+            </p:style>
+            <p:txBody>
+              <a:bodyPr rtlCol="0" anchor="ctr"/>
+              <a:lstStyle/>
+              <a:p>
+                <a:pPr algn="ctr"/>
+                <a:r>
+                  <a:rPr lang="en-US" sz="900" dirty="0">
+                    <a:solidFill>
+                      <a:schemeClr val="tx1"/>
+                    </a:solidFill>
+                    <a:latin typeface="ADLaM Display" panose="02010000000000000000" pitchFamily="2" charset="0"/>
+                    <a:ea typeface="ADLaM Display" panose="02010000000000000000" pitchFamily="2" charset="0"/>
+                    <a:cs typeface="ADLaM Display" panose="02010000000000000000" pitchFamily="2" charset="0"/>
+                  </a:rPr>
+                  <a:t>Learning</a:t>
+                </a:r>
+                <a:endParaRPr lang="da-DK" sz="900" dirty="0">
+                  <a:solidFill>
+                    <a:schemeClr val="tx1"/>
+                  </a:solidFill>
+                  <a:latin typeface="ADLaM Display" panose="02010000000000000000" pitchFamily="2" charset="0"/>
+                  <a:ea typeface="ADLaM Display" panose="02010000000000000000" pitchFamily="2" charset="0"/>
+                  <a:cs typeface="ADLaM Display" panose="02010000000000000000" pitchFamily="2" charset="0"/>
+                </a:endParaRPr>
+              </a:p>
+            </p:txBody>
+          </p:sp>
+          <p:sp>
+            <p:nvSpPr>
+              <p:cNvPr id="21" name="Arrow: Right 20">
+                <a:extLst>
+                  <a:ext uri="{FF2B5EF4-FFF2-40B4-BE49-F238E27FC236}">
+                    <a16:creationId xmlns:a16="http://schemas.microsoft.com/office/drawing/2014/main" id="{AD7301A0-3BF4-0670-DE0F-0626BD53C2B6}"/>
+                  </a:ext>
+                </a:extLst>
+              </p:cNvPr>
+              <p:cNvSpPr/>
+              <p:nvPr/>
+            </p:nvSpPr>
+            <p:spPr>
+              <a:xfrm>
+                <a:off x="2609805" y="4301435"/>
+                <a:ext cx="1730954" cy="287128"/>
+              </a:xfrm>
+              <a:prstGeom prst="rightArrow">
+                <a:avLst/>
+              </a:prstGeom>
+              <a:solidFill>
+                <a:schemeClr val="accent2">
+                  <a:lumMod val="60000"/>
+                  <a:lumOff val="40000"/>
+                </a:schemeClr>
+              </a:solidFill>
+              <a:ln w="12700"/>
+            </p:spPr>
+            <p:style>
+              <a:lnRef idx="2">
+                <a:schemeClr val="accent1">
+                  <a:shade val="15000"/>
+                </a:schemeClr>
+              </a:lnRef>
+              <a:fillRef idx="1">
+                <a:schemeClr val="accent1"/>
+              </a:fillRef>
+              <a:effectRef idx="0">
+                <a:schemeClr val="accent1"/>
+              </a:effectRef>
+              <a:fontRef idx="minor">
+                <a:schemeClr val="lt1"/>
+              </a:fontRef>
+            </p:style>
+            <p:txBody>
+              <a:bodyPr rtlCol="0" anchor="ctr"/>
+              <a:lstStyle/>
+              <a:p>
+                <a:pPr algn="ctr"/>
+                <a:r>
+                  <a:rPr lang="en-US" sz="900" dirty="0">
+                    <a:solidFill>
+                      <a:schemeClr val="tx1"/>
+                    </a:solidFill>
+                    <a:latin typeface="ADLaM Display" panose="02010000000000000000" pitchFamily="2" charset="0"/>
+                    <a:ea typeface="ADLaM Display" panose="02010000000000000000" pitchFamily="2" charset="0"/>
+                    <a:cs typeface="ADLaM Display" panose="02010000000000000000" pitchFamily="2" charset="0"/>
+                  </a:rPr>
+                  <a:t>Learning</a:t>
+                </a:r>
+                <a:endParaRPr lang="da-DK" sz="900" dirty="0">
+                  <a:solidFill>
+                    <a:schemeClr val="tx1"/>
+                  </a:solidFill>
+                  <a:latin typeface="ADLaM Display" panose="02010000000000000000" pitchFamily="2" charset="0"/>
+                  <a:ea typeface="ADLaM Display" panose="02010000000000000000" pitchFamily="2" charset="0"/>
+                  <a:cs typeface="ADLaM Display" panose="02010000000000000000" pitchFamily="2" charset="0"/>
+                </a:endParaRPr>
+              </a:p>
+            </p:txBody>
+          </p:sp>
+        </p:grpSp>
+        <p:grpSp>
+          <p:nvGrpSpPr>
+            <p:cNvPr id="22" name="Group 21">
+              <a:extLst>
+                <a:ext uri="{FF2B5EF4-FFF2-40B4-BE49-F238E27FC236}">
+                  <a16:creationId xmlns:a16="http://schemas.microsoft.com/office/drawing/2014/main" id="{1D1592D9-807A-5A7B-B0BF-E904F933DDF5}"/>
+                </a:ext>
+              </a:extLst>
+            </p:cNvPr>
+            <p:cNvGrpSpPr/>
+            <p:nvPr/>
+          </p:nvGrpSpPr>
+          <p:grpSpPr>
+            <a:xfrm>
+              <a:off x="2386829" y="5633955"/>
+              <a:ext cx="1974522" cy="416752"/>
+              <a:chOff x="2366237" y="4301435"/>
+              <a:chExt cx="1974522" cy="416752"/>
+            </a:xfrm>
+          </p:grpSpPr>
+          <p:sp>
+            <p:nvSpPr>
+              <p:cNvPr id="24" name="Arrow: Left 23">
+                <a:extLst>
+                  <a:ext uri="{FF2B5EF4-FFF2-40B4-BE49-F238E27FC236}">
+                    <a16:creationId xmlns:a16="http://schemas.microsoft.com/office/drawing/2014/main" id="{5D302B59-62A5-F52E-A9DA-1F2EB6D52E91}"/>
+                  </a:ext>
+                </a:extLst>
+              </p:cNvPr>
+              <p:cNvSpPr/>
+              <p:nvPr/>
+            </p:nvSpPr>
+            <p:spPr>
+              <a:xfrm>
+                <a:off x="2366237" y="4431059"/>
+                <a:ext cx="1730954" cy="287128"/>
+              </a:xfrm>
+              <a:prstGeom prst="leftArrow">
+                <a:avLst/>
+              </a:prstGeom>
+              <a:solidFill>
+                <a:schemeClr val="accent5">
+                  <a:lumMod val="40000"/>
+                  <a:lumOff val="60000"/>
+                </a:schemeClr>
+              </a:solidFill>
+              <a:ln w="12700"/>
+            </p:spPr>
+            <p:style>
+              <a:lnRef idx="2">
+                <a:schemeClr val="accent1">
+                  <a:shade val="15000"/>
+                </a:schemeClr>
+              </a:lnRef>
+              <a:fillRef idx="1">
+                <a:schemeClr val="accent1"/>
+              </a:fillRef>
+              <a:effectRef idx="0">
+                <a:schemeClr val="accent1"/>
+              </a:effectRef>
+              <a:fontRef idx="minor">
+                <a:schemeClr val="lt1"/>
+              </a:fontRef>
+            </p:style>
+            <p:txBody>
+              <a:bodyPr rtlCol="0" anchor="ctr"/>
+              <a:lstStyle/>
+              <a:p>
+                <a:pPr algn="ctr"/>
+                <a:r>
+                  <a:rPr lang="en-US" sz="900" dirty="0">
+                    <a:solidFill>
+                      <a:schemeClr val="tx1"/>
+                    </a:solidFill>
+                    <a:latin typeface="ADLaM Display" panose="02010000000000000000" pitchFamily="2" charset="0"/>
+                    <a:ea typeface="ADLaM Display" panose="02010000000000000000" pitchFamily="2" charset="0"/>
+                    <a:cs typeface="ADLaM Display" panose="02010000000000000000" pitchFamily="2" charset="0"/>
+                  </a:rPr>
+                  <a:t>Transformation</a:t>
+                </a:r>
+                <a:endParaRPr lang="da-DK" sz="900" dirty="0">
+                  <a:solidFill>
+                    <a:schemeClr val="tx1"/>
+                  </a:solidFill>
+                  <a:latin typeface="ADLaM Display" panose="02010000000000000000" pitchFamily="2" charset="0"/>
+                  <a:ea typeface="ADLaM Display" panose="02010000000000000000" pitchFamily="2" charset="0"/>
+                  <a:cs typeface="ADLaM Display" panose="02010000000000000000" pitchFamily="2" charset="0"/>
+                </a:endParaRPr>
+              </a:p>
+            </p:txBody>
+          </p:sp>
+          <p:sp>
+            <p:nvSpPr>
+              <p:cNvPr id="26" name="Arrow: Right 25">
+                <a:extLst>
+                  <a:ext uri="{FF2B5EF4-FFF2-40B4-BE49-F238E27FC236}">
+                    <a16:creationId xmlns:a16="http://schemas.microsoft.com/office/drawing/2014/main" id="{DA56B7FF-6C75-DBF7-F094-8095C400A944}"/>
+                  </a:ext>
+                </a:extLst>
+              </p:cNvPr>
+              <p:cNvSpPr/>
+              <p:nvPr/>
+            </p:nvSpPr>
+            <p:spPr>
+              <a:xfrm>
+                <a:off x="2609805" y="4301435"/>
+                <a:ext cx="1730954" cy="287128"/>
+              </a:xfrm>
+              <a:prstGeom prst="rightArrow">
+                <a:avLst/>
+              </a:prstGeom>
+              <a:solidFill>
+                <a:schemeClr val="accent2">
+                  <a:lumMod val="60000"/>
+                  <a:lumOff val="40000"/>
+                </a:schemeClr>
+              </a:solidFill>
+              <a:ln w="12700"/>
+            </p:spPr>
+            <p:style>
+              <a:lnRef idx="2">
+                <a:schemeClr val="accent1">
+                  <a:shade val="15000"/>
+                </a:schemeClr>
+              </a:lnRef>
+              <a:fillRef idx="1">
+                <a:schemeClr val="accent1"/>
+              </a:fillRef>
+              <a:effectRef idx="0">
+                <a:schemeClr val="accent1"/>
+              </a:effectRef>
+              <a:fontRef idx="minor">
+                <a:schemeClr val="lt1"/>
+              </a:fontRef>
+            </p:style>
+            <p:txBody>
+              <a:bodyPr rtlCol="0" anchor="ctr"/>
+              <a:lstStyle/>
+              <a:p>
+                <a:pPr algn="ctr"/>
+                <a:r>
+                  <a:rPr lang="en-US" sz="900" dirty="0">
+                    <a:solidFill>
+                      <a:schemeClr val="tx1"/>
+                    </a:solidFill>
+                    <a:latin typeface="ADLaM Display" panose="02010000000000000000" pitchFamily="2" charset="0"/>
+                    <a:ea typeface="ADLaM Display" panose="02010000000000000000" pitchFamily="2" charset="0"/>
+                    <a:cs typeface="ADLaM Display" panose="02010000000000000000" pitchFamily="2" charset="0"/>
+                  </a:rPr>
+                  <a:t>Transformation</a:t>
+                </a:r>
+                <a:endParaRPr lang="da-DK" sz="900" dirty="0">
+                  <a:solidFill>
+                    <a:schemeClr val="tx1"/>
+                  </a:solidFill>
+                  <a:latin typeface="ADLaM Display" panose="02010000000000000000" pitchFamily="2" charset="0"/>
+                  <a:ea typeface="ADLaM Display" panose="02010000000000000000" pitchFamily="2" charset="0"/>
+                  <a:cs typeface="ADLaM Display" panose="02010000000000000000" pitchFamily="2" charset="0"/>
+                </a:endParaRPr>
+              </a:p>
+            </p:txBody>
+          </p:sp>
+        </p:grpSp>
+      </p:grpSp>
+    </p:spTree>
+    <p:extLst>
+      <p:ext uri="{BB962C8B-B14F-4D97-AF65-F5344CB8AC3E}">
+        <p14:creationId xmlns:p14="http://schemas.microsoft.com/office/powerpoint/2010/main" val="1002722491"/>
       </p:ext>
     </p:extLst>
   </p:cSld>
